--- a/Lecture Slides/VideoLectureSlides/4.1.pptx
+++ b/Lecture Slides/VideoLectureSlides/4.1.pptx
@@ -5,7 +5,7 @@
     <p:sldMasterId id="2147483660" r:id="rId4"/>
   </p:sldMasterIdLst>
   <p:notesMasterIdLst>
-    <p:notesMasterId r:id="rId12"/>
+    <p:notesMasterId r:id="rId14"/>
   </p:notesMasterIdLst>
   <p:sldIdLst>
     <p:sldId id="256" r:id="rId5"/>
@@ -13,8 +13,10 @@
     <p:sldId id="319" r:id="rId7"/>
     <p:sldId id="288" r:id="rId8"/>
     <p:sldId id="287" r:id="rId9"/>
-    <p:sldId id="289" r:id="rId10"/>
-    <p:sldId id="320" r:id="rId11"/>
+    <p:sldId id="320" r:id="rId10"/>
+    <p:sldId id="289" r:id="rId11"/>
+    <p:sldId id="321" r:id="rId12"/>
+    <p:sldId id="322" r:id="rId13"/>
   </p:sldIdLst>
   <p:sldSz cx="9144000" cy="6858000" type="screen4x3"/>
   <p:notesSz cx="6858000" cy="9144000"/>
@@ -156,30 +158,6 @@
 
 <file path=ppt/changesInfos/changesInfo1.xml><?xml version="1.0" encoding="utf-8"?>
 <pc:chgInfo xmlns:a="http://schemas.openxmlformats.org/drawingml/2006/main" xmlns:r="http://schemas.openxmlformats.org/officeDocument/2006/relationships" xmlns:ac="http://schemas.microsoft.com/office/drawing/2013/main/command" xmlns:pc="http://schemas.microsoft.com/office/powerpoint/2013/main/command">
-  <pc:docChgLst>
-    <pc:chgData name="Moore, Jacob Preston" userId="fdd3fd0f-c483-48c9-988d-7deb216763fd" providerId="ADAL" clId="{A59CBCED-7092-4544-9E0C-8C935690C011}"/>
-    <pc:docChg chg="modSld">
-      <pc:chgData name="Moore, Jacob Preston" userId="fdd3fd0f-c483-48c9-988d-7deb216763fd" providerId="ADAL" clId="{A59CBCED-7092-4544-9E0C-8C935690C011}" dt="2020-09-24T14:14:30.924" v="0" actId="1036"/>
-      <pc:docMkLst>
-        <pc:docMk/>
-      </pc:docMkLst>
-      <pc:sldChg chg="modSp">
-        <pc:chgData name="Moore, Jacob Preston" userId="fdd3fd0f-c483-48c9-988d-7deb216763fd" providerId="ADAL" clId="{A59CBCED-7092-4544-9E0C-8C935690C011}" dt="2020-09-24T14:14:30.924" v="0" actId="1036"/>
-        <pc:sldMkLst>
-          <pc:docMk/>
-          <pc:sldMk cId="2746900517" sldId="319"/>
-        </pc:sldMkLst>
-        <pc:picChg chg="mod">
-          <ac:chgData name="Moore, Jacob Preston" userId="fdd3fd0f-c483-48c9-988d-7deb216763fd" providerId="ADAL" clId="{A59CBCED-7092-4544-9E0C-8C935690C011}" dt="2020-09-24T14:14:30.924" v="0" actId="1036"/>
-          <ac:picMkLst>
-            <pc:docMk/>
-            <pc:sldMk cId="2746900517" sldId="319"/>
-            <ac:picMk id="2050" creationId="{00000000-0000-0000-0000-000000000000}"/>
-          </ac:picMkLst>
-        </pc:picChg>
-      </pc:sldChg>
-    </pc:docChg>
-  </pc:docChgLst>
   <pc:docChgLst>
     <pc:chgData name="Moore, Jacob Preston" userId="fdd3fd0f-c483-48c9-988d-7deb216763fd" providerId="ADAL" clId="{AD12165B-854B-4280-BDEF-29569724CDFB}"/>
     <pc:docChg chg="custSel addSld delSld modSld">
@@ -480,6 +458,30 @@
       </pc:sldChg>
     </pc:docChg>
   </pc:docChgLst>
+  <pc:docChgLst>
+    <pc:chgData name="Moore, Jacob Preston" userId="fdd3fd0f-c483-48c9-988d-7deb216763fd" providerId="ADAL" clId="{A59CBCED-7092-4544-9E0C-8C935690C011}"/>
+    <pc:docChg chg="modSld">
+      <pc:chgData name="Moore, Jacob Preston" userId="fdd3fd0f-c483-48c9-988d-7deb216763fd" providerId="ADAL" clId="{A59CBCED-7092-4544-9E0C-8C935690C011}" dt="2020-09-24T14:14:30.924" v="0" actId="1036"/>
+      <pc:docMkLst>
+        <pc:docMk/>
+      </pc:docMkLst>
+      <pc:sldChg chg="modSp">
+        <pc:chgData name="Moore, Jacob Preston" userId="fdd3fd0f-c483-48c9-988d-7deb216763fd" providerId="ADAL" clId="{A59CBCED-7092-4544-9E0C-8C935690C011}" dt="2020-09-24T14:14:30.924" v="0" actId="1036"/>
+        <pc:sldMkLst>
+          <pc:docMk/>
+          <pc:sldMk cId="2746900517" sldId="319"/>
+        </pc:sldMkLst>
+        <pc:picChg chg="mod">
+          <ac:chgData name="Moore, Jacob Preston" userId="fdd3fd0f-c483-48c9-988d-7deb216763fd" providerId="ADAL" clId="{A59CBCED-7092-4544-9E0C-8C935690C011}" dt="2020-09-24T14:14:30.924" v="0" actId="1036"/>
+          <ac:picMkLst>
+            <pc:docMk/>
+            <pc:sldMk cId="2746900517" sldId="319"/>
+            <ac:picMk id="2050" creationId="{00000000-0000-0000-0000-000000000000}"/>
+          </ac:picMkLst>
+        </pc:picChg>
+      </pc:sldChg>
+    </pc:docChg>
+  </pc:docChgLst>
 </pc:chgInfo>
 </file>
 
@@ -565,7 +567,7 @@
           <a:p>
             <a:fld id="{1AA1AB63-216F-4D5B-8811-CCB935E98D4A}" type="datetimeFigureOut">
               <a:rPr lang="en-US" smtClean="0"/>
-              <a:t>9/24/2020</a:t>
+              <a:t>11/10/2021</a:t>
             </a:fld>
             <a:endParaRPr lang="en-US"/>
           </a:p>
@@ -4964,7 +4966,7 @@
           <a:p>
             <a:r>
               <a:rPr lang="en-US" dirty="0"/>
-              <a:t>Statically Equivalent Worked Example</a:t>
+              <a:t>Statically Equivalent Systems Worked Example</a:t>
             </a:r>
           </a:p>
         </p:txBody>
@@ -5019,860 +5021,51 @@
           </a:p>
         </p:txBody>
       </p:sp>
-      <p:sp>
-        <p:nvSpPr>
-          <p:cNvPr id="5" name="Rectangle 4"/>
-          <p:cNvSpPr/>
+      <p:pic>
+        <p:nvPicPr>
+          <p:cNvPr id="1026" name="Picture 2" descr="Problem 1 Diagram"/>
+          <p:cNvPicPr>
+            <a:picLocks noChangeAspect="1" noChangeArrowheads="1"/>
+          </p:cNvPicPr>
           <p:nvPr/>
-        </p:nvSpPr>
-        <p:spPr>
-          <a:xfrm>
-            <a:off x="1676400" y="3276600"/>
-            <a:ext cx="5562600" cy="304800"/>
+        </p:nvPicPr>
+        <p:blipFill>
+          <a:blip r:embed="rId2">
+            <a:extLst>
+              <a:ext uri="{28A0092B-C50C-407E-A947-70E740481C1C}">
+                <a14:useLocalDpi xmlns:a14="http://schemas.microsoft.com/office/drawing/2010/main" val="0"/>
+              </a:ext>
+            </a:extLst>
+          </a:blip>
+          <a:srcRect/>
+          <a:stretch>
+            <a:fillRect/>
+          </a:stretch>
+        </p:blipFill>
+        <p:spPr bwMode="auto">
+          <a:xfrm>
+            <a:off x="1752600" y="2819400"/>
+            <a:ext cx="4971841" cy="3878037"/>
           </a:xfrm>
           <a:prstGeom prst="rect">
             <a:avLst/>
           </a:prstGeom>
-        </p:spPr>
-        <p:style>
-          <a:lnRef idx="1">
-            <a:schemeClr val="dk1"/>
-          </a:lnRef>
-          <a:fillRef idx="2">
-            <a:schemeClr val="dk1"/>
-          </a:fillRef>
-          <a:effectRef idx="1">
-            <a:schemeClr val="dk1"/>
-          </a:effectRef>
-          <a:fontRef idx="minor">
-            <a:schemeClr val="dk1"/>
-          </a:fontRef>
-        </p:style>
-        <p:txBody>
-          <a:bodyPr rtlCol="0" anchor="ctr"/>
-          <a:lstStyle/>
-          <a:p>
-            <a:pPr algn="ctr"/>
-            <a:endParaRPr lang="en-US"/>
-          </a:p>
-        </p:txBody>
-      </p:sp>
-      <p:sp>
-        <p:nvSpPr>
-          <p:cNvPr id="6" name="Isosceles Triangle 5"/>
-          <p:cNvSpPr/>
-          <p:nvPr/>
-        </p:nvSpPr>
-        <p:spPr>
-          <a:xfrm>
-            <a:off x="2286000" y="3581399"/>
-            <a:ext cx="457200" cy="152400"/>
-          </a:xfrm>
-          <a:prstGeom prst="triangle">
-            <a:avLst/>
-          </a:prstGeom>
-        </p:spPr>
-        <p:style>
-          <a:lnRef idx="1">
-            <a:schemeClr val="dk1"/>
-          </a:lnRef>
-          <a:fillRef idx="2">
-            <a:schemeClr val="dk1"/>
-          </a:fillRef>
-          <a:effectRef idx="1">
-            <a:schemeClr val="dk1"/>
-          </a:effectRef>
-          <a:fontRef idx="minor">
-            <a:schemeClr val="dk1"/>
-          </a:fontRef>
-        </p:style>
-        <p:txBody>
-          <a:bodyPr rtlCol="0" anchor="ctr"/>
-          <a:lstStyle/>
-          <a:p>
-            <a:pPr algn="ctr"/>
-            <a:endParaRPr lang="en-US"/>
-          </a:p>
-        </p:txBody>
-      </p:sp>
-      <p:sp>
-        <p:nvSpPr>
-          <p:cNvPr id="8" name="Isosceles Triangle 7"/>
-          <p:cNvSpPr/>
-          <p:nvPr/>
-        </p:nvSpPr>
-        <p:spPr>
-          <a:xfrm>
-            <a:off x="6248400" y="3592284"/>
-            <a:ext cx="457200" cy="152400"/>
-          </a:xfrm>
-          <a:prstGeom prst="triangle">
-            <a:avLst/>
-          </a:prstGeom>
-        </p:spPr>
-        <p:style>
-          <a:lnRef idx="1">
-            <a:schemeClr val="dk1"/>
-          </a:lnRef>
-          <a:fillRef idx="2">
-            <a:schemeClr val="dk1"/>
-          </a:fillRef>
-          <a:effectRef idx="1">
-            <a:schemeClr val="dk1"/>
-          </a:effectRef>
-          <a:fontRef idx="minor">
-            <a:schemeClr val="dk1"/>
-          </a:fontRef>
-        </p:style>
-        <p:txBody>
-          <a:bodyPr rtlCol="0" anchor="ctr"/>
-          <a:lstStyle/>
-          <a:p>
-            <a:pPr algn="ctr"/>
-            <a:endParaRPr lang="en-US"/>
-          </a:p>
-        </p:txBody>
-      </p:sp>
-      <p:cxnSp>
-        <p:nvCxnSpPr>
-          <p:cNvPr id="9" name="Straight Arrow Connector 8"/>
-          <p:cNvCxnSpPr/>
-          <p:nvPr/>
-        </p:nvCxnSpPr>
-        <p:spPr>
-          <a:xfrm>
-            <a:off x="4953000" y="2590800"/>
-            <a:ext cx="0" cy="685800"/>
-          </a:xfrm>
-          <a:prstGeom prst="straightConnector1">
-            <a:avLst/>
-          </a:prstGeom>
-          <a:ln>
-            <a:solidFill>
-              <a:srgbClr val="FF0000"/>
-            </a:solidFill>
-            <a:tailEnd type="arrow"/>
-          </a:ln>
-        </p:spPr>
-        <p:style>
-          <a:lnRef idx="3">
-            <a:schemeClr val="accent2"/>
-          </a:lnRef>
-          <a:fillRef idx="0">
-            <a:schemeClr val="accent2"/>
-          </a:fillRef>
-          <a:effectRef idx="2">
-            <a:schemeClr val="accent2"/>
-          </a:effectRef>
-          <a:fontRef idx="minor">
-            <a:schemeClr val="tx1"/>
-          </a:fontRef>
-        </p:style>
-      </p:cxnSp>
-      <p:cxnSp>
-        <p:nvCxnSpPr>
-          <p:cNvPr id="15" name="Straight Connector 14"/>
-          <p:cNvCxnSpPr/>
-          <p:nvPr/>
-        </p:nvCxnSpPr>
-        <p:spPr>
-          <a:xfrm>
-            <a:off x="2514600" y="3820884"/>
-            <a:ext cx="0" cy="304800"/>
-          </a:xfrm>
-          <a:prstGeom prst="line">
-            <a:avLst/>
-          </a:prstGeom>
-        </p:spPr>
-        <p:style>
-          <a:lnRef idx="1">
-            <a:schemeClr val="accent1"/>
-          </a:lnRef>
-          <a:fillRef idx="0">
-            <a:schemeClr val="accent1"/>
-          </a:fillRef>
-          <a:effectRef idx="0">
-            <a:schemeClr val="accent1"/>
-          </a:effectRef>
-          <a:fontRef idx="minor">
-            <a:schemeClr val="tx1"/>
-          </a:fontRef>
-        </p:style>
-      </p:cxnSp>
-      <p:cxnSp>
-        <p:nvCxnSpPr>
-          <p:cNvPr id="17" name="Straight Connector 16"/>
-          <p:cNvCxnSpPr/>
-          <p:nvPr/>
-        </p:nvCxnSpPr>
-        <p:spPr>
-          <a:xfrm>
-            <a:off x="6477000" y="3820884"/>
-            <a:ext cx="0" cy="304800"/>
-          </a:xfrm>
-          <a:prstGeom prst="line">
-            <a:avLst/>
-          </a:prstGeom>
-        </p:spPr>
-        <p:style>
-          <a:lnRef idx="1">
-            <a:schemeClr val="accent1"/>
-          </a:lnRef>
-          <a:fillRef idx="0">
-            <a:schemeClr val="accent1"/>
-          </a:fillRef>
-          <a:effectRef idx="0">
-            <a:schemeClr val="accent1"/>
-          </a:effectRef>
-          <a:fontRef idx="minor">
-            <a:schemeClr val="tx1"/>
-          </a:fontRef>
-        </p:style>
-      </p:cxnSp>
-      <p:cxnSp>
-        <p:nvCxnSpPr>
-          <p:cNvPr id="18" name="Straight Connector 17"/>
-          <p:cNvCxnSpPr/>
-          <p:nvPr/>
-        </p:nvCxnSpPr>
-        <p:spPr>
-          <a:xfrm>
-            <a:off x="4953000" y="3679370"/>
-            <a:ext cx="0" cy="457200"/>
-          </a:xfrm>
-          <a:prstGeom prst="line">
-            <a:avLst/>
-          </a:prstGeom>
-        </p:spPr>
-        <p:style>
-          <a:lnRef idx="1">
-            <a:schemeClr val="accent1"/>
-          </a:lnRef>
-          <a:fillRef idx="0">
-            <a:schemeClr val="accent1"/>
-          </a:fillRef>
-          <a:effectRef idx="0">
-            <a:schemeClr val="accent1"/>
-          </a:effectRef>
-          <a:fontRef idx="minor">
-            <a:schemeClr val="tx1"/>
-          </a:fontRef>
-        </p:style>
-      </p:cxnSp>
-      <p:cxnSp>
-        <p:nvCxnSpPr>
-          <p:cNvPr id="20" name="Straight Connector 19"/>
-          <p:cNvCxnSpPr/>
-          <p:nvPr/>
-        </p:nvCxnSpPr>
-        <p:spPr>
-          <a:xfrm flipH="1">
-            <a:off x="2514600" y="3973284"/>
-            <a:ext cx="3962400" cy="0"/>
-          </a:xfrm>
-          <a:prstGeom prst="line">
-            <a:avLst/>
-          </a:prstGeom>
-        </p:spPr>
-        <p:style>
-          <a:lnRef idx="1">
-            <a:schemeClr val="accent1"/>
-          </a:lnRef>
-          <a:fillRef idx="0">
-            <a:schemeClr val="accent1"/>
-          </a:fillRef>
-          <a:effectRef idx="0">
-            <a:schemeClr val="accent1"/>
-          </a:effectRef>
-          <a:fontRef idx="minor">
-            <a:schemeClr val="tx1"/>
-          </a:fontRef>
-        </p:style>
-      </p:cxnSp>
-      <p:sp>
-        <p:nvSpPr>
-          <p:cNvPr id="23" name="TextBox 22"/>
-          <p:cNvSpPr txBox="1"/>
-          <p:nvPr/>
-        </p:nvSpPr>
-        <p:spPr>
-          <a:xfrm>
-            <a:off x="3537856" y="3789008"/>
-            <a:ext cx="502061" cy="369332"/>
-          </a:xfrm>
-          <a:prstGeom prst="rect">
-            <a:avLst/>
-          </a:prstGeom>
-          <a:solidFill>
-            <a:schemeClr val="bg1"/>
-          </a:solidFill>
-        </p:spPr>
-        <p:txBody>
-          <a:bodyPr wrap="none" rtlCol="0">
-            <a:spAutoFit/>
-          </a:bodyPr>
-          <a:lstStyle/>
-          <a:p>
-            <a:r>
-              <a:rPr lang="en-US" dirty="0">
+          <a:noFill/>
+          <a:extLst>
+            <a:ext uri="{909E8E84-426E-40DD-AFC4-6F175D3DCCD1}">
+              <a14:hiddenFill xmlns:a14="http://schemas.microsoft.com/office/drawing/2010/main">
                 <a:solidFill>
-                  <a:schemeClr val="accent1"/>
+                  <a:srgbClr val="FFFFFF"/>
                 </a:solidFill>
-              </a:rPr>
-              <a:t>6 ft</a:t>
-            </a:r>
-          </a:p>
-        </p:txBody>
-      </p:sp>
-      <p:sp>
-        <p:nvSpPr>
-          <p:cNvPr id="25" name="TextBox 24"/>
-          <p:cNvSpPr txBox="1"/>
-          <p:nvPr/>
-        </p:nvSpPr>
-        <p:spPr>
-          <a:xfrm>
-            <a:off x="5517739" y="3778124"/>
-            <a:ext cx="502061" cy="369332"/>
-          </a:xfrm>
-          <a:prstGeom prst="rect">
-            <a:avLst/>
-          </a:prstGeom>
-          <a:solidFill>
-            <a:schemeClr val="bg1"/>
-          </a:solidFill>
-        </p:spPr>
-        <p:txBody>
-          <a:bodyPr wrap="none" rtlCol="0">
-            <a:spAutoFit/>
-          </a:bodyPr>
-          <a:lstStyle/>
-          <a:p>
-            <a:r>
-              <a:rPr lang="en-US" dirty="0">
-                <a:solidFill>
-                  <a:schemeClr val="accent1"/>
-                </a:solidFill>
-              </a:rPr>
-              <a:t>4 ft</a:t>
-            </a:r>
-          </a:p>
-        </p:txBody>
-      </p:sp>
-      <p:sp>
-        <p:nvSpPr>
-          <p:cNvPr id="24" name="TextBox 23"/>
-          <p:cNvSpPr txBox="1"/>
-          <p:nvPr/>
-        </p:nvSpPr>
-        <p:spPr>
-          <a:xfrm>
-            <a:off x="4191000" y="2689552"/>
-            <a:ext cx="734945" cy="369332"/>
-          </a:xfrm>
-          <a:prstGeom prst="rect">
-            <a:avLst/>
-          </a:prstGeom>
-          <a:noFill/>
-        </p:spPr>
-        <p:txBody>
-          <a:bodyPr wrap="none" rtlCol="0">
-            <a:spAutoFit/>
-          </a:bodyPr>
-          <a:lstStyle/>
-          <a:p>
-            <a:r>
-              <a:rPr lang="en-US" b="1" dirty="0">
-                <a:solidFill>
-                  <a:srgbClr val="FF0000"/>
-                </a:solidFill>
-              </a:rPr>
-              <a:t>60 lbs</a:t>
-            </a:r>
-          </a:p>
-        </p:txBody>
-      </p:sp>
-      <p:sp>
-        <p:nvSpPr>
-          <p:cNvPr id="27" name="Rectangle 26"/>
-          <p:cNvSpPr/>
-          <p:nvPr/>
-        </p:nvSpPr>
-        <p:spPr>
-          <a:xfrm>
-            <a:off x="1676400" y="5475516"/>
-            <a:ext cx="5562600" cy="304800"/>
-          </a:xfrm>
-          <a:prstGeom prst="rect">
-            <a:avLst/>
-          </a:prstGeom>
-        </p:spPr>
-        <p:style>
-          <a:lnRef idx="1">
-            <a:schemeClr val="dk1"/>
-          </a:lnRef>
-          <a:fillRef idx="2">
-            <a:schemeClr val="dk1"/>
-          </a:fillRef>
-          <a:effectRef idx="1">
-            <a:schemeClr val="dk1"/>
-          </a:effectRef>
-          <a:fontRef idx="minor">
-            <a:schemeClr val="dk1"/>
-          </a:fontRef>
-        </p:style>
-        <p:txBody>
-          <a:bodyPr rtlCol="0" anchor="ctr"/>
-          <a:lstStyle/>
-          <a:p>
-            <a:pPr algn="ctr"/>
-            <a:endParaRPr lang="en-US"/>
-          </a:p>
-        </p:txBody>
-      </p:sp>
-      <p:sp>
-        <p:nvSpPr>
-          <p:cNvPr id="28" name="Isosceles Triangle 27"/>
-          <p:cNvSpPr/>
-          <p:nvPr/>
-        </p:nvSpPr>
-        <p:spPr>
-          <a:xfrm>
-            <a:off x="2286000" y="5780315"/>
-            <a:ext cx="457200" cy="152400"/>
-          </a:xfrm>
-          <a:prstGeom prst="triangle">
-            <a:avLst/>
-          </a:prstGeom>
-        </p:spPr>
-        <p:style>
-          <a:lnRef idx="1">
-            <a:schemeClr val="dk1"/>
-          </a:lnRef>
-          <a:fillRef idx="2">
-            <a:schemeClr val="dk1"/>
-          </a:fillRef>
-          <a:effectRef idx="1">
-            <a:schemeClr val="dk1"/>
-          </a:effectRef>
-          <a:fontRef idx="minor">
-            <a:schemeClr val="dk1"/>
-          </a:fontRef>
-        </p:style>
-        <p:txBody>
-          <a:bodyPr rtlCol="0" anchor="ctr"/>
-          <a:lstStyle/>
-          <a:p>
-            <a:pPr algn="ctr"/>
-            <a:endParaRPr lang="en-US"/>
-          </a:p>
-        </p:txBody>
-      </p:sp>
-      <p:sp>
-        <p:nvSpPr>
-          <p:cNvPr id="29" name="Isosceles Triangle 28"/>
-          <p:cNvSpPr/>
-          <p:nvPr/>
-        </p:nvSpPr>
-        <p:spPr>
-          <a:xfrm>
-            <a:off x="6248400" y="5791200"/>
-            <a:ext cx="457200" cy="152400"/>
-          </a:xfrm>
-          <a:prstGeom prst="triangle">
-            <a:avLst/>
-          </a:prstGeom>
-        </p:spPr>
-        <p:style>
-          <a:lnRef idx="1">
-            <a:schemeClr val="dk1"/>
-          </a:lnRef>
-          <a:fillRef idx="2">
-            <a:schemeClr val="dk1"/>
-          </a:fillRef>
-          <a:effectRef idx="1">
-            <a:schemeClr val="dk1"/>
-          </a:effectRef>
-          <a:fontRef idx="minor">
-            <a:schemeClr val="dk1"/>
-          </a:fontRef>
-        </p:style>
-        <p:txBody>
-          <a:bodyPr rtlCol="0" anchor="ctr"/>
-          <a:lstStyle/>
-          <a:p>
-            <a:pPr algn="ctr"/>
-            <a:endParaRPr lang="en-US"/>
-          </a:p>
-        </p:txBody>
-      </p:sp>
-      <p:cxnSp>
-        <p:nvCxnSpPr>
-          <p:cNvPr id="30" name="Straight Arrow Connector 29"/>
-          <p:cNvCxnSpPr/>
-          <p:nvPr/>
-        </p:nvCxnSpPr>
-        <p:spPr>
-          <a:xfrm>
-            <a:off x="4267200" y="4572000"/>
-            <a:ext cx="0" cy="903516"/>
-          </a:xfrm>
-          <a:prstGeom prst="straightConnector1">
-            <a:avLst/>
-          </a:prstGeom>
-          <a:ln>
-            <a:solidFill>
-              <a:srgbClr val="FF0000"/>
-            </a:solidFill>
-            <a:tailEnd type="arrow"/>
-          </a:ln>
-        </p:spPr>
-        <p:style>
-          <a:lnRef idx="3">
-            <a:schemeClr val="accent2"/>
-          </a:lnRef>
-          <a:fillRef idx="0">
-            <a:schemeClr val="accent2"/>
-          </a:fillRef>
-          <a:effectRef idx="2">
-            <a:schemeClr val="accent2"/>
-          </a:effectRef>
-          <a:fontRef idx="minor">
-            <a:schemeClr val="tx1"/>
-          </a:fontRef>
-        </p:style>
-      </p:cxnSp>
-      <p:cxnSp>
-        <p:nvCxnSpPr>
-          <p:cNvPr id="31" name="Straight Connector 30"/>
-          <p:cNvCxnSpPr/>
-          <p:nvPr/>
-        </p:nvCxnSpPr>
-        <p:spPr>
-          <a:xfrm>
-            <a:off x="2514600" y="6019800"/>
-            <a:ext cx="0" cy="304800"/>
-          </a:xfrm>
-          <a:prstGeom prst="line">
-            <a:avLst/>
-          </a:prstGeom>
-        </p:spPr>
-        <p:style>
-          <a:lnRef idx="1">
-            <a:schemeClr val="accent1"/>
-          </a:lnRef>
-          <a:fillRef idx="0">
-            <a:schemeClr val="accent1"/>
-          </a:fillRef>
-          <a:effectRef idx="0">
-            <a:schemeClr val="accent1"/>
-          </a:effectRef>
-          <a:fontRef idx="minor">
-            <a:schemeClr val="tx1"/>
-          </a:fontRef>
-        </p:style>
-      </p:cxnSp>
-      <p:cxnSp>
-        <p:nvCxnSpPr>
-          <p:cNvPr id="32" name="Straight Connector 31"/>
-          <p:cNvCxnSpPr/>
-          <p:nvPr/>
-        </p:nvCxnSpPr>
-        <p:spPr>
-          <a:xfrm>
-            <a:off x="6477000" y="6019800"/>
-            <a:ext cx="0" cy="304800"/>
-          </a:xfrm>
-          <a:prstGeom prst="line">
-            <a:avLst/>
-          </a:prstGeom>
-        </p:spPr>
-        <p:style>
-          <a:lnRef idx="1">
-            <a:schemeClr val="accent1"/>
-          </a:lnRef>
-          <a:fillRef idx="0">
-            <a:schemeClr val="accent1"/>
-          </a:fillRef>
-          <a:effectRef idx="0">
-            <a:schemeClr val="accent1"/>
-          </a:effectRef>
-          <a:fontRef idx="minor">
-            <a:schemeClr val="tx1"/>
-          </a:fontRef>
-        </p:style>
-      </p:cxnSp>
-      <p:cxnSp>
-        <p:nvCxnSpPr>
-          <p:cNvPr id="33" name="Straight Connector 32"/>
-          <p:cNvCxnSpPr/>
-          <p:nvPr/>
-        </p:nvCxnSpPr>
-        <p:spPr>
-          <a:xfrm>
-            <a:off x="4267198" y="5878286"/>
-            <a:ext cx="0" cy="457200"/>
-          </a:xfrm>
-          <a:prstGeom prst="line">
-            <a:avLst/>
-          </a:prstGeom>
-        </p:spPr>
-        <p:style>
-          <a:lnRef idx="1">
-            <a:schemeClr val="accent1"/>
-          </a:lnRef>
-          <a:fillRef idx="0">
-            <a:schemeClr val="accent1"/>
-          </a:fillRef>
-          <a:effectRef idx="0">
-            <a:schemeClr val="accent1"/>
-          </a:effectRef>
-          <a:fontRef idx="minor">
-            <a:schemeClr val="tx1"/>
-          </a:fontRef>
-        </p:style>
-      </p:cxnSp>
-      <p:cxnSp>
-        <p:nvCxnSpPr>
-          <p:cNvPr id="34" name="Straight Connector 33"/>
-          <p:cNvCxnSpPr/>
-          <p:nvPr/>
-        </p:nvCxnSpPr>
-        <p:spPr>
-          <a:xfrm flipH="1">
-            <a:off x="1676400" y="6172200"/>
-            <a:ext cx="4800600" cy="390"/>
-          </a:xfrm>
-          <a:prstGeom prst="line">
-            <a:avLst/>
-          </a:prstGeom>
-        </p:spPr>
-        <p:style>
-          <a:lnRef idx="1">
-            <a:schemeClr val="accent1"/>
-          </a:lnRef>
-          <a:fillRef idx="0">
-            <a:schemeClr val="accent1"/>
-          </a:fillRef>
-          <a:effectRef idx="0">
-            <a:schemeClr val="accent1"/>
-          </a:effectRef>
-          <a:fontRef idx="minor">
-            <a:schemeClr val="tx1"/>
-          </a:fontRef>
-        </p:style>
-      </p:cxnSp>
-      <p:sp>
-        <p:nvSpPr>
-          <p:cNvPr id="35" name="TextBox 34"/>
-          <p:cNvSpPr txBox="1"/>
-          <p:nvPr/>
-        </p:nvSpPr>
-        <p:spPr>
-          <a:xfrm>
-            <a:off x="5212939" y="5987924"/>
-            <a:ext cx="502061" cy="369332"/>
-          </a:xfrm>
-          <a:prstGeom prst="rect">
-            <a:avLst/>
-          </a:prstGeom>
-          <a:solidFill>
-            <a:schemeClr val="bg1"/>
-          </a:solidFill>
-        </p:spPr>
-        <p:txBody>
-          <a:bodyPr wrap="none" rtlCol="0">
-            <a:spAutoFit/>
-          </a:bodyPr>
-          <a:lstStyle/>
-          <a:p>
-            <a:r>
-              <a:rPr lang="en-US" dirty="0">
-                <a:solidFill>
-                  <a:schemeClr val="accent1"/>
-                </a:solidFill>
-              </a:rPr>
-              <a:t>6 ft</a:t>
-            </a:r>
-          </a:p>
-        </p:txBody>
-      </p:sp>
-      <p:sp>
-        <p:nvSpPr>
-          <p:cNvPr id="36" name="TextBox 35"/>
-          <p:cNvSpPr txBox="1"/>
-          <p:nvPr/>
-        </p:nvSpPr>
-        <p:spPr>
-          <a:xfrm>
-            <a:off x="3231739" y="5977040"/>
-            <a:ext cx="502061" cy="369332"/>
-          </a:xfrm>
-          <a:prstGeom prst="rect">
-            <a:avLst/>
-          </a:prstGeom>
-          <a:solidFill>
-            <a:schemeClr val="bg1"/>
-          </a:solidFill>
-        </p:spPr>
-        <p:txBody>
-          <a:bodyPr wrap="none" rtlCol="0">
-            <a:spAutoFit/>
-          </a:bodyPr>
-          <a:lstStyle/>
-          <a:p>
-            <a:r>
-              <a:rPr lang="en-US" dirty="0">
-                <a:solidFill>
-                  <a:schemeClr val="accent1"/>
-                </a:solidFill>
-              </a:rPr>
-              <a:t>4 ft</a:t>
-            </a:r>
-          </a:p>
-        </p:txBody>
-      </p:sp>
-      <p:sp>
-        <p:nvSpPr>
-          <p:cNvPr id="37" name="TextBox 36"/>
-          <p:cNvSpPr txBox="1"/>
-          <p:nvPr/>
-        </p:nvSpPr>
-        <p:spPr>
-          <a:xfrm>
-            <a:off x="3525843" y="4789714"/>
-            <a:ext cx="741357" cy="369332"/>
-          </a:xfrm>
-          <a:prstGeom prst="rect">
-            <a:avLst/>
-          </a:prstGeom>
-          <a:noFill/>
-        </p:spPr>
-        <p:txBody>
-          <a:bodyPr wrap="none" rtlCol="0">
-            <a:spAutoFit/>
-          </a:bodyPr>
-          <a:lstStyle/>
-          <a:p>
-            <a:r>
-              <a:rPr lang="en-US" b="1" dirty="0">
-                <a:solidFill>
-                  <a:srgbClr val="FF0000"/>
-                </a:solidFill>
-              </a:rPr>
-              <a:t>80 lbs</a:t>
-            </a:r>
-          </a:p>
-        </p:txBody>
-      </p:sp>
-      <p:cxnSp>
-        <p:nvCxnSpPr>
-          <p:cNvPr id="39" name="Straight Arrow Connector 38"/>
-          <p:cNvCxnSpPr/>
-          <p:nvPr/>
-        </p:nvCxnSpPr>
-        <p:spPr>
-          <a:xfrm flipV="1">
-            <a:off x="1676400" y="5780314"/>
-            <a:ext cx="0" cy="457200"/>
-          </a:xfrm>
-          <a:prstGeom prst="straightConnector1">
-            <a:avLst/>
-          </a:prstGeom>
-          <a:ln>
-            <a:solidFill>
-              <a:srgbClr val="FF0000"/>
-            </a:solidFill>
-            <a:tailEnd type="arrow"/>
-          </a:ln>
-        </p:spPr>
-        <p:style>
-          <a:lnRef idx="3">
-            <a:schemeClr val="accent2"/>
-          </a:lnRef>
-          <a:fillRef idx="0">
-            <a:schemeClr val="accent2"/>
-          </a:fillRef>
-          <a:effectRef idx="2">
-            <a:schemeClr val="accent2"/>
-          </a:effectRef>
-          <a:fontRef idx="minor">
-            <a:schemeClr val="tx1"/>
-          </a:fontRef>
-        </p:style>
-      </p:cxnSp>
-      <p:sp>
-        <p:nvSpPr>
-          <p:cNvPr id="41" name="TextBox 40"/>
-          <p:cNvSpPr txBox="1"/>
-          <p:nvPr/>
-        </p:nvSpPr>
-        <p:spPr>
-          <a:xfrm>
-            <a:off x="935043" y="5802868"/>
-            <a:ext cx="741357" cy="369332"/>
-          </a:xfrm>
-          <a:prstGeom prst="rect">
-            <a:avLst/>
-          </a:prstGeom>
-          <a:noFill/>
-        </p:spPr>
-        <p:txBody>
-          <a:bodyPr wrap="none" rtlCol="0">
-            <a:spAutoFit/>
-          </a:bodyPr>
-          <a:lstStyle/>
-          <a:p>
-            <a:r>
-              <a:rPr lang="en-US" b="1" dirty="0">
-                <a:solidFill>
-                  <a:srgbClr val="FF0000"/>
-                </a:solidFill>
-              </a:rPr>
-              <a:t>20 lbs</a:t>
-            </a:r>
-          </a:p>
-        </p:txBody>
-      </p:sp>
-      <p:sp>
-        <p:nvSpPr>
-          <p:cNvPr id="43" name="TextBox 42"/>
-          <p:cNvSpPr txBox="1"/>
-          <p:nvPr/>
-        </p:nvSpPr>
-        <p:spPr>
-          <a:xfrm>
-            <a:off x="1871025" y="5987926"/>
-            <a:ext cx="502061" cy="369332"/>
-          </a:xfrm>
-          <a:prstGeom prst="rect">
-            <a:avLst/>
-          </a:prstGeom>
-          <a:solidFill>
-            <a:schemeClr val="bg1"/>
-          </a:solidFill>
-        </p:spPr>
-        <p:txBody>
-          <a:bodyPr wrap="none" rtlCol="0">
-            <a:spAutoFit/>
-          </a:bodyPr>
-          <a:lstStyle/>
-          <a:p>
-            <a:r>
-              <a:rPr lang="en-US" dirty="0">
-                <a:solidFill>
-                  <a:schemeClr val="accent1"/>
-                </a:solidFill>
-              </a:rPr>
-              <a:t>2 ft</a:t>
-            </a:r>
-          </a:p>
-        </p:txBody>
-      </p:sp>
+              </a14:hiddenFill>
+            </a:ext>
+          </a:extLst>
+        </p:spPr>
+      </p:pic>
     </p:spTree>
     <p:extLst>
       <p:ext uri="{BB962C8B-B14F-4D97-AF65-F5344CB8AC3E}">
-        <p14:creationId xmlns:p14="http://schemas.microsoft.com/office/powerpoint/2010/main" val="2042290333"/>
+        <p14:creationId xmlns:p14="http://schemas.microsoft.com/office/powerpoint/2010/main" val="3128609627"/>
       </p:ext>
     </p:extLst>
   </p:cSld>
@@ -5918,7 +5111,7 @@
           <a:p>
             <a:r>
               <a:rPr lang="en-US" dirty="0"/>
-              <a:t>Statically Equivalent Worked Problem</a:t>
+              <a:t>Statically Equivalent Systems Worked Example</a:t>
             </a:r>
           </a:p>
         </p:txBody>
@@ -5973,9 +5166,989 @@
           </a:p>
         </p:txBody>
       </p:sp>
+      <p:sp>
+        <p:nvSpPr>
+          <p:cNvPr id="5" name="Rectangle 4"/>
+          <p:cNvSpPr/>
+          <p:nvPr/>
+        </p:nvSpPr>
+        <p:spPr>
+          <a:xfrm>
+            <a:off x="1676400" y="3276600"/>
+            <a:ext cx="5562600" cy="304800"/>
+          </a:xfrm>
+          <a:prstGeom prst="rect">
+            <a:avLst/>
+          </a:prstGeom>
+        </p:spPr>
+        <p:style>
+          <a:lnRef idx="1">
+            <a:schemeClr val="dk1"/>
+          </a:lnRef>
+          <a:fillRef idx="2">
+            <a:schemeClr val="dk1"/>
+          </a:fillRef>
+          <a:effectRef idx="1">
+            <a:schemeClr val="dk1"/>
+          </a:effectRef>
+          <a:fontRef idx="minor">
+            <a:schemeClr val="dk1"/>
+          </a:fontRef>
+        </p:style>
+        <p:txBody>
+          <a:bodyPr rtlCol="0" anchor="ctr"/>
+          <a:lstStyle/>
+          <a:p>
+            <a:pPr algn="ctr"/>
+            <a:endParaRPr lang="en-US"/>
+          </a:p>
+        </p:txBody>
+      </p:sp>
+      <p:sp>
+        <p:nvSpPr>
+          <p:cNvPr id="6" name="Isosceles Triangle 5"/>
+          <p:cNvSpPr/>
+          <p:nvPr/>
+        </p:nvSpPr>
+        <p:spPr>
+          <a:xfrm>
+            <a:off x="2286000" y="3581399"/>
+            <a:ext cx="457200" cy="152400"/>
+          </a:xfrm>
+          <a:prstGeom prst="triangle">
+            <a:avLst/>
+          </a:prstGeom>
+        </p:spPr>
+        <p:style>
+          <a:lnRef idx="1">
+            <a:schemeClr val="dk1"/>
+          </a:lnRef>
+          <a:fillRef idx="2">
+            <a:schemeClr val="dk1"/>
+          </a:fillRef>
+          <a:effectRef idx="1">
+            <a:schemeClr val="dk1"/>
+          </a:effectRef>
+          <a:fontRef idx="minor">
+            <a:schemeClr val="dk1"/>
+          </a:fontRef>
+        </p:style>
+        <p:txBody>
+          <a:bodyPr rtlCol="0" anchor="ctr"/>
+          <a:lstStyle/>
+          <a:p>
+            <a:pPr algn="ctr"/>
+            <a:endParaRPr lang="en-US"/>
+          </a:p>
+        </p:txBody>
+      </p:sp>
+      <p:sp>
+        <p:nvSpPr>
+          <p:cNvPr id="8" name="Isosceles Triangle 7"/>
+          <p:cNvSpPr/>
+          <p:nvPr/>
+        </p:nvSpPr>
+        <p:spPr>
+          <a:xfrm>
+            <a:off x="6248400" y="3592284"/>
+            <a:ext cx="457200" cy="152400"/>
+          </a:xfrm>
+          <a:prstGeom prst="triangle">
+            <a:avLst/>
+          </a:prstGeom>
+        </p:spPr>
+        <p:style>
+          <a:lnRef idx="1">
+            <a:schemeClr val="dk1"/>
+          </a:lnRef>
+          <a:fillRef idx="2">
+            <a:schemeClr val="dk1"/>
+          </a:fillRef>
+          <a:effectRef idx="1">
+            <a:schemeClr val="dk1"/>
+          </a:effectRef>
+          <a:fontRef idx="minor">
+            <a:schemeClr val="dk1"/>
+          </a:fontRef>
+        </p:style>
+        <p:txBody>
+          <a:bodyPr rtlCol="0" anchor="ctr"/>
+          <a:lstStyle/>
+          <a:p>
+            <a:pPr algn="ctr"/>
+            <a:endParaRPr lang="en-US"/>
+          </a:p>
+        </p:txBody>
+      </p:sp>
+      <p:cxnSp>
+        <p:nvCxnSpPr>
+          <p:cNvPr id="9" name="Straight Arrow Connector 8"/>
+          <p:cNvCxnSpPr/>
+          <p:nvPr/>
+        </p:nvCxnSpPr>
+        <p:spPr>
+          <a:xfrm>
+            <a:off x="4953000" y="2590800"/>
+            <a:ext cx="0" cy="685800"/>
+          </a:xfrm>
+          <a:prstGeom prst="straightConnector1">
+            <a:avLst/>
+          </a:prstGeom>
+          <a:ln>
+            <a:solidFill>
+              <a:srgbClr val="FF0000"/>
+            </a:solidFill>
+            <a:tailEnd type="arrow"/>
+          </a:ln>
+        </p:spPr>
+        <p:style>
+          <a:lnRef idx="3">
+            <a:schemeClr val="accent2"/>
+          </a:lnRef>
+          <a:fillRef idx="0">
+            <a:schemeClr val="accent2"/>
+          </a:fillRef>
+          <a:effectRef idx="2">
+            <a:schemeClr val="accent2"/>
+          </a:effectRef>
+          <a:fontRef idx="minor">
+            <a:schemeClr val="tx1"/>
+          </a:fontRef>
+        </p:style>
+      </p:cxnSp>
+      <p:cxnSp>
+        <p:nvCxnSpPr>
+          <p:cNvPr id="15" name="Straight Connector 14"/>
+          <p:cNvCxnSpPr/>
+          <p:nvPr/>
+        </p:nvCxnSpPr>
+        <p:spPr>
+          <a:xfrm>
+            <a:off x="2514600" y="3820884"/>
+            <a:ext cx="0" cy="304800"/>
+          </a:xfrm>
+          <a:prstGeom prst="line">
+            <a:avLst/>
+          </a:prstGeom>
+        </p:spPr>
+        <p:style>
+          <a:lnRef idx="1">
+            <a:schemeClr val="accent1"/>
+          </a:lnRef>
+          <a:fillRef idx="0">
+            <a:schemeClr val="accent1"/>
+          </a:fillRef>
+          <a:effectRef idx="0">
+            <a:schemeClr val="accent1"/>
+          </a:effectRef>
+          <a:fontRef idx="minor">
+            <a:schemeClr val="tx1"/>
+          </a:fontRef>
+        </p:style>
+      </p:cxnSp>
+      <p:cxnSp>
+        <p:nvCxnSpPr>
+          <p:cNvPr id="17" name="Straight Connector 16"/>
+          <p:cNvCxnSpPr/>
+          <p:nvPr/>
+        </p:nvCxnSpPr>
+        <p:spPr>
+          <a:xfrm>
+            <a:off x="6477000" y="3820884"/>
+            <a:ext cx="0" cy="304800"/>
+          </a:xfrm>
+          <a:prstGeom prst="line">
+            <a:avLst/>
+          </a:prstGeom>
+        </p:spPr>
+        <p:style>
+          <a:lnRef idx="1">
+            <a:schemeClr val="accent1"/>
+          </a:lnRef>
+          <a:fillRef idx="0">
+            <a:schemeClr val="accent1"/>
+          </a:fillRef>
+          <a:effectRef idx="0">
+            <a:schemeClr val="accent1"/>
+          </a:effectRef>
+          <a:fontRef idx="minor">
+            <a:schemeClr val="tx1"/>
+          </a:fontRef>
+        </p:style>
+      </p:cxnSp>
+      <p:cxnSp>
+        <p:nvCxnSpPr>
+          <p:cNvPr id="18" name="Straight Connector 17"/>
+          <p:cNvCxnSpPr/>
+          <p:nvPr/>
+        </p:nvCxnSpPr>
+        <p:spPr>
+          <a:xfrm>
+            <a:off x="4953000" y="3679370"/>
+            <a:ext cx="0" cy="457200"/>
+          </a:xfrm>
+          <a:prstGeom prst="line">
+            <a:avLst/>
+          </a:prstGeom>
+        </p:spPr>
+        <p:style>
+          <a:lnRef idx="1">
+            <a:schemeClr val="accent1"/>
+          </a:lnRef>
+          <a:fillRef idx="0">
+            <a:schemeClr val="accent1"/>
+          </a:fillRef>
+          <a:effectRef idx="0">
+            <a:schemeClr val="accent1"/>
+          </a:effectRef>
+          <a:fontRef idx="minor">
+            <a:schemeClr val="tx1"/>
+          </a:fontRef>
+        </p:style>
+      </p:cxnSp>
+      <p:cxnSp>
+        <p:nvCxnSpPr>
+          <p:cNvPr id="20" name="Straight Connector 19"/>
+          <p:cNvCxnSpPr/>
+          <p:nvPr/>
+        </p:nvCxnSpPr>
+        <p:spPr>
+          <a:xfrm flipH="1">
+            <a:off x="2514600" y="3973284"/>
+            <a:ext cx="3962400" cy="0"/>
+          </a:xfrm>
+          <a:prstGeom prst="line">
+            <a:avLst/>
+          </a:prstGeom>
+        </p:spPr>
+        <p:style>
+          <a:lnRef idx="1">
+            <a:schemeClr val="accent1"/>
+          </a:lnRef>
+          <a:fillRef idx="0">
+            <a:schemeClr val="accent1"/>
+          </a:fillRef>
+          <a:effectRef idx="0">
+            <a:schemeClr val="accent1"/>
+          </a:effectRef>
+          <a:fontRef idx="minor">
+            <a:schemeClr val="tx1"/>
+          </a:fontRef>
+        </p:style>
+      </p:cxnSp>
+      <p:sp>
+        <p:nvSpPr>
+          <p:cNvPr id="23" name="TextBox 22"/>
+          <p:cNvSpPr txBox="1"/>
+          <p:nvPr/>
+        </p:nvSpPr>
+        <p:spPr>
+          <a:xfrm>
+            <a:off x="3537856" y="3789008"/>
+            <a:ext cx="502061" cy="369332"/>
+          </a:xfrm>
+          <a:prstGeom prst="rect">
+            <a:avLst/>
+          </a:prstGeom>
+          <a:solidFill>
+            <a:schemeClr val="bg1"/>
+          </a:solidFill>
+        </p:spPr>
+        <p:txBody>
+          <a:bodyPr wrap="none" rtlCol="0">
+            <a:spAutoFit/>
+          </a:bodyPr>
+          <a:lstStyle/>
+          <a:p>
+            <a:r>
+              <a:rPr lang="en-US" dirty="0">
+                <a:solidFill>
+                  <a:schemeClr val="accent1"/>
+                </a:solidFill>
+              </a:rPr>
+              <a:t>6 ft</a:t>
+            </a:r>
+          </a:p>
+        </p:txBody>
+      </p:sp>
+      <p:sp>
+        <p:nvSpPr>
+          <p:cNvPr id="25" name="TextBox 24"/>
+          <p:cNvSpPr txBox="1"/>
+          <p:nvPr/>
+        </p:nvSpPr>
+        <p:spPr>
+          <a:xfrm>
+            <a:off x="5517739" y="3778124"/>
+            <a:ext cx="502061" cy="369332"/>
+          </a:xfrm>
+          <a:prstGeom prst="rect">
+            <a:avLst/>
+          </a:prstGeom>
+          <a:solidFill>
+            <a:schemeClr val="bg1"/>
+          </a:solidFill>
+        </p:spPr>
+        <p:txBody>
+          <a:bodyPr wrap="none" rtlCol="0">
+            <a:spAutoFit/>
+          </a:bodyPr>
+          <a:lstStyle/>
+          <a:p>
+            <a:r>
+              <a:rPr lang="en-US" dirty="0">
+                <a:solidFill>
+                  <a:schemeClr val="accent1"/>
+                </a:solidFill>
+              </a:rPr>
+              <a:t>4 ft</a:t>
+            </a:r>
+          </a:p>
+        </p:txBody>
+      </p:sp>
+      <p:sp>
+        <p:nvSpPr>
+          <p:cNvPr id="24" name="TextBox 23"/>
+          <p:cNvSpPr txBox="1"/>
+          <p:nvPr/>
+        </p:nvSpPr>
+        <p:spPr>
+          <a:xfrm>
+            <a:off x="4191000" y="2689552"/>
+            <a:ext cx="734945" cy="369332"/>
+          </a:xfrm>
+          <a:prstGeom prst="rect">
+            <a:avLst/>
+          </a:prstGeom>
+          <a:noFill/>
+        </p:spPr>
+        <p:txBody>
+          <a:bodyPr wrap="none" rtlCol="0">
+            <a:spAutoFit/>
+          </a:bodyPr>
+          <a:lstStyle/>
+          <a:p>
+            <a:r>
+              <a:rPr lang="en-US" b="1" dirty="0">
+                <a:solidFill>
+                  <a:srgbClr val="FF0000"/>
+                </a:solidFill>
+              </a:rPr>
+              <a:t>60 lbs</a:t>
+            </a:r>
+          </a:p>
+        </p:txBody>
+      </p:sp>
+      <p:sp>
+        <p:nvSpPr>
+          <p:cNvPr id="27" name="Rectangle 26"/>
+          <p:cNvSpPr/>
+          <p:nvPr/>
+        </p:nvSpPr>
+        <p:spPr>
+          <a:xfrm>
+            <a:off x="1676400" y="5475516"/>
+            <a:ext cx="5562600" cy="304800"/>
+          </a:xfrm>
+          <a:prstGeom prst="rect">
+            <a:avLst/>
+          </a:prstGeom>
+        </p:spPr>
+        <p:style>
+          <a:lnRef idx="1">
+            <a:schemeClr val="dk1"/>
+          </a:lnRef>
+          <a:fillRef idx="2">
+            <a:schemeClr val="dk1"/>
+          </a:fillRef>
+          <a:effectRef idx="1">
+            <a:schemeClr val="dk1"/>
+          </a:effectRef>
+          <a:fontRef idx="minor">
+            <a:schemeClr val="dk1"/>
+          </a:fontRef>
+        </p:style>
+        <p:txBody>
+          <a:bodyPr rtlCol="0" anchor="ctr"/>
+          <a:lstStyle/>
+          <a:p>
+            <a:pPr algn="ctr"/>
+            <a:endParaRPr lang="en-US"/>
+          </a:p>
+        </p:txBody>
+      </p:sp>
+      <p:sp>
+        <p:nvSpPr>
+          <p:cNvPr id="28" name="Isosceles Triangle 27"/>
+          <p:cNvSpPr/>
+          <p:nvPr/>
+        </p:nvSpPr>
+        <p:spPr>
+          <a:xfrm>
+            <a:off x="2286000" y="5780315"/>
+            <a:ext cx="457200" cy="152400"/>
+          </a:xfrm>
+          <a:prstGeom prst="triangle">
+            <a:avLst/>
+          </a:prstGeom>
+        </p:spPr>
+        <p:style>
+          <a:lnRef idx="1">
+            <a:schemeClr val="dk1"/>
+          </a:lnRef>
+          <a:fillRef idx="2">
+            <a:schemeClr val="dk1"/>
+          </a:fillRef>
+          <a:effectRef idx="1">
+            <a:schemeClr val="dk1"/>
+          </a:effectRef>
+          <a:fontRef idx="minor">
+            <a:schemeClr val="dk1"/>
+          </a:fontRef>
+        </p:style>
+        <p:txBody>
+          <a:bodyPr rtlCol="0" anchor="ctr"/>
+          <a:lstStyle/>
+          <a:p>
+            <a:pPr algn="ctr"/>
+            <a:endParaRPr lang="en-US"/>
+          </a:p>
+        </p:txBody>
+      </p:sp>
+      <p:sp>
+        <p:nvSpPr>
+          <p:cNvPr id="29" name="Isosceles Triangle 28"/>
+          <p:cNvSpPr/>
+          <p:nvPr/>
+        </p:nvSpPr>
+        <p:spPr>
+          <a:xfrm>
+            <a:off x="6248400" y="5791200"/>
+            <a:ext cx="457200" cy="152400"/>
+          </a:xfrm>
+          <a:prstGeom prst="triangle">
+            <a:avLst/>
+          </a:prstGeom>
+        </p:spPr>
+        <p:style>
+          <a:lnRef idx="1">
+            <a:schemeClr val="dk1"/>
+          </a:lnRef>
+          <a:fillRef idx="2">
+            <a:schemeClr val="dk1"/>
+          </a:fillRef>
+          <a:effectRef idx="1">
+            <a:schemeClr val="dk1"/>
+          </a:effectRef>
+          <a:fontRef idx="minor">
+            <a:schemeClr val="dk1"/>
+          </a:fontRef>
+        </p:style>
+        <p:txBody>
+          <a:bodyPr rtlCol="0" anchor="ctr"/>
+          <a:lstStyle/>
+          <a:p>
+            <a:pPr algn="ctr"/>
+            <a:endParaRPr lang="en-US"/>
+          </a:p>
+        </p:txBody>
+      </p:sp>
+      <p:cxnSp>
+        <p:nvCxnSpPr>
+          <p:cNvPr id="30" name="Straight Arrow Connector 29"/>
+          <p:cNvCxnSpPr/>
+          <p:nvPr/>
+        </p:nvCxnSpPr>
+        <p:spPr>
+          <a:xfrm>
+            <a:off x="4267200" y="4572000"/>
+            <a:ext cx="0" cy="903516"/>
+          </a:xfrm>
+          <a:prstGeom prst="straightConnector1">
+            <a:avLst/>
+          </a:prstGeom>
+          <a:ln>
+            <a:solidFill>
+              <a:srgbClr val="FF0000"/>
+            </a:solidFill>
+            <a:tailEnd type="arrow"/>
+          </a:ln>
+        </p:spPr>
+        <p:style>
+          <a:lnRef idx="3">
+            <a:schemeClr val="accent2"/>
+          </a:lnRef>
+          <a:fillRef idx="0">
+            <a:schemeClr val="accent2"/>
+          </a:fillRef>
+          <a:effectRef idx="2">
+            <a:schemeClr val="accent2"/>
+          </a:effectRef>
+          <a:fontRef idx="minor">
+            <a:schemeClr val="tx1"/>
+          </a:fontRef>
+        </p:style>
+      </p:cxnSp>
+      <p:cxnSp>
+        <p:nvCxnSpPr>
+          <p:cNvPr id="31" name="Straight Connector 30"/>
+          <p:cNvCxnSpPr/>
+          <p:nvPr/>
+        </p:nvCxnSpPr>
+        <p:spPr>
+          <a:xfrm>
+            <a:off x="2514600" y="6019800"/>
+            <a:ext cx="0" cy="304800"/>
+          </a:xfrm>
+          <a:prstGeom prst="line">
+            <a:avLst/>
+          </a:prstGeom>
+        </p:spPr>
+        <p:style>
+          <a:lnRef idx="1">
+            <a:schemeClr val="accent1"/>
+          </a:lnRef>
+          <a:fillRef idx="0">
+            <a:schemeClr val="accent1"/>
+          </a:fillRef>
+          <a:effectRef idx="0">
+            <a:schemeClr val="accent1"/>
+          </a:effectRef>
+          <a:fontRef idx="minor">
+            <a:schemeClr val="tx1"/>
+          </a:fontRef>
+        </p:style>
+      </p:cxnSp>
+      <p:cxnSp>
+        <p:nvCxnSpPr>
+          <p:cNvPr id="32" name="Straight Connector 31"/>
+          <p:cNvCxnSpPr/>
+          <p:nvPr/>
+        </p:nvCxnSpPr>
+        <p:spPr>
+          <a:xfrm>
+            <a:off x="6477000" y="6019800"/>
+            <a:ext cx="0" cy="304800"/>
+          </a:xfrm>
+          <a:prstGeom prst="line">
+            <a:avLst/>
+          </a:prstGeom>
+        </p:spPr>
+        <p:style>
+          <a:lnRef idx="1">
+            <a:schemeClr val="accent1"/>
+          </a:lnRef>
+          <a:fillRef idx="0">
+            <a:schemeClr val="accent1"/>
+          </a:fillRef>
+          <a:effectRef idx="0">
+            <a:schemeClr val="accent1"/>
+          </a:effectRef>
+          <a:fontRef idx="minor">
+            <a:schemeClr val="tx1"/>
+          </a:fontRef>
+        </p:style>
+      </p:cxnSp>
+      <p:cxnSp>
+        <p:nvCxnSpPr>
+          <p:cNvPr id="33" name="Straight Connector 32"/>
+          <p:cNvCxnSpPr/>
+          <p:nvPr/>
+        </p:nvCxnSpPr>
+        <p:spPr>
+          <a:xfrm>
+            <a:off x="4267198" y="5878286"/>
+            <a:ext cx="0" cy="457200"/>
+          </a:xfrm>
+          <a:prstGeom prst="line">
+            <a:avLst/>
+          </a:prstGeom>
+        </p:spPr>
+        <p:style>
+          <a:lnRef idx="1">
+            <a:schemeClr val="accent1"/>
+          </a:lnRef>
+          <a:fillRef idx="0">
+            <a:schemeClr val="accent1"/>
+          </a:fillRef>
+          <a:effectRef idx="0">
+            <a:schemeClr val="accent1"/>
+          </a:effectRef>
+          <a:fontRef idx="minor">
+            <a:schemeClr val="tx1"/>
+          </a:fontRef>
+        </p:style>
+      </p:cxnSp>
+      <p:cxnSp>
+        <p:nvCxnSpPr>
+          <p:cNvPr id="34" name="Straight Connector 33"/>
+          <p:cNvCxnSpPr/>
+          <p:nvPr/>
+        </p:nvCxnSpPr>
+        <p:spPr>
+          <a:xfrm flipH="1">
+            <a:off x="1676400" y="6172200"/>
+            <a:ext cx="4800600" cy="390"/>
+          </a:xfrm>
+          <a:prstGeom prst="line">
+            <a:avLst/>
+          </a:prstGeom>
+        </p:spPr>
+        <p:style>
+          <a:lnRef idx="1">
+            <a:schemeClr val="accent1"/>
+          </a:lnRef>
+          <a:fillRef idx="0">
+            <a:schemeClr val="accent1"/>
+          </a:fillRef>
+          <a:effectRef idx="0">
+            <a:schemeClr val="accent1"/>
+          </a:effectRef>
+          <a:fontRef idx="minor">
+            <a:schemeClr val="tx1"/>
+          </a:fontRef>
+        </p:style>
+      </p:cxnSp>
+      <p:sp>
+        <p:nvSpPr>
+          <p:cNvPr id="35" name="TextBox 34"/>
+          <p:cNvSpPr txBox="1"/>
+          <p:nvPr/>
+        </p:nvSpPr>
+        <p:spPr>
+          <a:xfrm>
+            <a:off x="5212939" y="5987924"/>
+            <a:ext cx="502061" cy="369332"/>
+          </a:xfrm>
+          <a:prstGeom prst="rect">
+            <a:avLst/>
+          </a:prstGeom>
+          <a:solidFill>
+            <a:schemeClr val="bg1"/>
+          </a:solidFill>
+        </p:spPr>
+        <p:txBody>
+          <a:bodyPr wrap="none" rtlCol="0">
+            <a:spAutoFit/>
+          </a:bodyPr>
+          <a:lstStyle/>
+          <a:p>
+            <a:r>
+              <a:rPr lang="en-US" dirty="0">
+                <a:solidFill>
+                  <a:schemeClr val="accent1"/>
+                </a:solidFill>
+              </a:rPr>
+              <a:t>6 ft</a:t>
+            </a:r>
+          </a:p>
+        </p:txBody>
+      </p:sp>
+      <p:sp>
+        <p:nvSpPr>
+          <p:cNvPr id="36" name="TextBox 35"/>
+          <p:cNvSpPr txBox="1"/>
+          <p:nvPr/>
+        </p:nvSpPr>
+        <p:spPr>
+          <a:xfrm>
+            <a:off x="3231739" y="5977040"/>
+            <a:ext cx="502061" cy="369332"/>
+          </a:xfrm>
+          <a:prstGeom prst="rect">
+            <a:avLst/>
+          </a:prstGeom>
+          <a:solidFill>
+            <a:schemeClr val="bg1"/>
+          </a:solidFill>
+        </p:spPr>
+        <p:txBody>
+          <a:bodyPr wrap="none" rtlCol="0">
+            <a:spAutoFit/>
+          </a:bodyPr>
+          <a:lstStyle/>
+          <a:p>
+            <a:r>
+              <a:rPr lang="en-US" dirty="0">
+                <a:solidFill>
+                  <a:schemeClr val="accent1"/>
+                </a:solidFill>
+              </a:rPr>
+              <a:t>4 ft</a:t>
+            </a:r>
+          </a:p>
+        </p:txBody>
+      </p:sp>
+      <p:sp>
+        <p:nvSpPr>
+          <p:cNvPr id="37" name="TextBox 36"/>
+          <p:cNvSpPr txBox="1"/>
+          <p:nvPr/>
+        </p:nvSpPr>
+        <p:spPr>
+          <a:xfrm>
+            <a:off x="3525843" y="4789714"/>
+            <a:ext cx="741357" cy="369332"/>
+          </a:xfrm>
+          <a:prstGeom prst="rect">
+            <a:avLst/>
+          </a:prstGeom>
+          <a:noFill/>
+        </p:spPr>
+        <p:txBody>
+          <a:bodyPr wrap="none" rtlCol="0">
+            <a:spAutoFit/>
+          </a:bodyPr>
+          <a:lstStyle/>
+          <a:p>
+            <a:r>
+              <a:rPr lang="en-US" b="1" dirty="0">
+                <a:solidFill>
+                  <a:srgbClr val="FF0000"/>
+                </a:solidFill>
+              </a:rPr>
+              <a:t>80 lbs</a:t>
+            </a:r>
+          </a:p>
+        </p:txBody>
+      </p:sp>
+      <p:cxnSp>
+        <p:nvCxnSpPr>
+          <p:cNvPr id="39" name="Straight Arrow Connector 38"/>
+          <p:cNvCxnSpPr/>
+          <p:nvPr/>
+        </p:nvCxnSpPr>
+        <p:spPr>
+          <a:xfrm flipV="1">
+            <a:off x="1676400" y="5780314"/>
+            <a:ext cx="0" cy="457200"/>
+          </a:xfrm>
+          <a:prstGeom prst="straightConnector1">
+            <a:avLst/>
+          </a:prstGeom>
+          <a:ln>
+            <a:solidFill>
+              <a:srgbClr val="FF0000"/>
+            </a:solidFill>
+            <a:tailEnd type="arrow"/>
+          </a:ln>
+        </p:spPr>
+        <p:style>
+          <a:lnRef idx="3">
+            <a:schemeClr val="accent2"/>
+          </a:lnRef>
+          <a:fillRef idx="0">
+            <a:schemeClr val="accent2"/>
+          </a:fillRef>
+          <a:effectRef idx="2">
+            <a:schemeClr val="accent2"/>
+          </a:effectRef>
+          <a:fontRef idx="minor">
+            <a:schemeClr val="tx1"/>
+          </a:fontRef>
+        </p:style>
+      </p:cxnSp>
+      <p:sp>
+        <p:nvSpPr>
+          <p:cNvPr id="41" name="TextBox 40"/>
+          <p:cNvSpPr txBox="1"/>
+          <p:nvPr/>
+        </p:nvSpPr>
+        <p:spPr>
+          <a:xfrm>
+            <a:off x="935043" y="5802868"/>
+            <a:ext cx="741357" cy="369332"/>
+          </a:xfrm>
+          <a:prstGeom prst="rect">
+            <a:avLst/>
+          </a:prstGeom>
+          <a:noFill/>
+        </p:spPr>
+        <p:txBody>
+          <a:bodyPr wrap="none" rtlCol="0">
+            <a:spAutoFit/>
+          </a:bodyPr>
+          <a:lstStyle/>
+          <a:p>
+            <a:r>
+              <a:rPr lang="en-US" b="1" dirty="0">
+                <a:solidFill>
+                  <a:srgbClr val="FF0000"/>
+                </a:solidFill>
+              </a:rPr>
+              <a:t>20 lbs</a:t>
+            </a:r>
+          </a:p>
+        </p:txBody>
+      </p:sp>
+      <p:sp>
+        <p:nvSpPr>
+          <p:cNvPr id="43" name="TextBox 42"/>
+          <p:cNvSpPr txBox="1"/>
+          <p:nvPr/>
+        </p:nvSpPr>
+        <p:spPr>
+          <a:xfrm>
+            <a:off x="1871025" y="5987926"/>
+            <a:ext cx="502061" cy="369332"/>
+          </a:xfrm>
+          <a:prstGeom prst="rect">
+            <a:avLst/>
+          </a:prstGeom>
+          <a:solidFill>
+            <a:schemeClr val="bg1"/>
+          </a:solidFill>
+        </p:spPr>
+        <p:txBody>
+          <a:bodyPr wrap="none" rtlCol="0">
+            <a:spAutoFit/>
+          </a:bodyPr>
+          <a:lstStyle/>
+          <a:p>
+            <a:r>
+              <a:rPr lang="en-US" dirty="0">
+                <a:solidFill>
+                  <a:schemeClr val="accent1"/>
+                </a:solidFill>
+              </a:rPr>
+              <a:t>2 ft</a:t>
+            </a:r>
+          </a:p>
+        </p:txBody>
+      </p:sp>
+    </p:spTree>
+    <p:extLst>
+      <p:ext uri="{BB962C8B-B14F-4D97-AF65-F5344CB8AC3E}">
+        <p14:creationId xmlns:p14="http://schemas.microsoft.com/office/powerpoint/2010/main" val="2042290333"/>
+      </p:ext>
+    </p:extLst>
+  </p:cSld>
+  <p:clrMapOvr>
+    <a:masterClrMapping/>
+  </p:clrMapOvr>
+</p:sld>
+</file>
+
+<file path=ppt/slides/slide8.xml><?xml version="1.0" encoding="utf-8"?>
+<p:sld xmlns:a="http://schemas.openxmlformats.org/drawingml/2006/main" xmlns:r="http://schemas.openxmlformats.org/officeDocument/2006/relationships" xmlns:p="http://schemas.openxmlformats.org/presentationml/2006/main">
+  <p:cSld>
+    <p:spTree>
+      <p:nvGrpSpPr>
+        <p:cNvPr id="1" name=""/>
+        <p:cNvGrpSpPr/>
+        <p:nvPr/>
+      </p:nvGrpSpPr>
+      <p:grpSpPr>
+        <a:xfrm>
+          <a:off x="0" y="0"/>
+          <a:ext cx="0" cy="0"/>
+          <a:chOff x="0" y="0"/>
+          <a:chExt cx="0" cy="0"/>
+        </a:xfrm>
+      </p:grpSpPr>
+      <p:sp>
+        <p:nvSpPr>
+          <p:cNvPr id="2" name="Title 1">
+            <a:extLst>
+              <a:ext uri="{FF2B5EF4-FFF2-40B4-BE49-F238E27FC236}">
+                <a16:creationId xmlns:a16="http://schemas.microsoft.com/office/drawing/2014/main" id="{4D7BF70A-B27F-47C7-8D49-F7D38F74AD77}"/>
+              </a:ext>
+            </a:extLst>
+          </p:cNvPr>
+          <p:cNvSpPr>
+            <a:spLocks noGrp="1"/>
+          </p:cNvSpPr>
+          <p:nvPr>
+            <p:ph type="title"/>
+          </p:nvPr>
+        </p:nvSpPr>
+        <p:spPr/>
+        <p:txBody>
+          <a:bodyPr>
+            <a:normAutofit fontScale="90000"/>
+          </a:bodyPr>
+          <a:lstStyle/>
+          <a:p>
+            <a:r>
+              <a:rPr lang="en-US" dirty="0"/>
+              <a:t>Statically Equivalent Systems Worked Example</a:t>
+            </a:r>
+          </a:p>
+        </p:txBody>
+      </p:sp>
+      <p:sp>
+        <p:nvSpPr>
+          <p:cNvPr id="3" name="Content Placeholder 2">
+            <a:extLst>
+              <a:ext uri="{FF2B5EF4-FFF2-40B4-BE49-F238E27FC236}">
+                <a16:creationId xmlns:a16="http://schemas.microsoft.com/office/drawing/2014/main" id="{861BA2D8-A6A5-4924-AC64-A2AD421DD064}"/>
+              </a:ext>
+            </a:extLst>
+          </p:cNvPr>
+          <p:cNvSpPr>
+            <a:spLocks noGrp="1"/>
+          </p:cNvSpPr>
+          <p:nvPr>
+            <p:ph idx="1"/>
+          </p:nvPr>
+        </p:nvSpPr>
+        <p:spPr>
+          <a:xfrm>
+            <a:off x="457200" y="1600199"/>
+            <a:ext cx="8059552" cy="1286067"/>
+          </a:xfrm>
+        </p:spPr>
+        <p:txBody>
+          <a:bodyPr>
+            <a:normAutofit fontScale="92500" lnSpcReduction="20000"/>
+          </a:bodyPr>
+          <a:lstStyle/>
+          <a:p>
+            <a:r>
+              <a:rPr lang="en-US" dirty="0"/>
+              <a:t>Two alternate sets of forces are shown on a car. Determine if the two sets of forces are statically equivalent.</a:t>
+            </a:r>
+          </a:p>
+        </p:txBody>
+      </p:sp>
+      <p:sp>
+        <p:nvSpPr>
+          <p:cNvPr id="4" name="Slide Number Placeholder 3">
+            <a:extLst>
+              <a:ext uri="{FF2B5EF4-FFF2-40B4-BE49-F238E27FC236}">
+                <a16:creationId xmlns:a16="http://schemas.microsoft.com/office/drawing/2014/main" id="{38306E9A-0EEA-4A16-B694-750AC08ADA86}"/>
+              </a:ext>
+            </a:extLst>
+          </p:cNvPr>
+          <p:cNvSpPr>
+            <a:spLocks noGrp="1"/>
+          </p:cNvSpPr>
+          <p:nvPr>
+            <p:ph type="sldNum" sz="quarter" idx="12"/>
+          </p:nvPr>
+        </p:nvSpPr>
+        <p:spPr/>
+        <p:txBody>
+          <a:bodyPr/>
+          <a:lstStyle/>
+          <a:p>
+            <a:fld id="{929262FE-7F58-4A1E-8AF3-5A510A86DEBD}" type="slidenum">
+              <a:rPr lang="en-US" smtClean="0"/>
+              <a:t>8</a:t>
+            </a:fld>
+            <a:endParaRPr lang="en-US"/>
+          </a:p>
+        </p:txBody>
+      </p:sp>
       <p:pic>
         <p:nvPicPr>
-          <p:cNvPr id="1026" name="Picture 2" descr="Problem 1 Diagram"/>
+          <p:cNvPr id="7" name="Picture 2" descr="http://9pixs.com/wp-content/uploads/2014/06/clip-art-car_1404139436.jpg">
+            <a:extLst>
+              <a:ext uri="{FF2B5EF4-FFF2-40B4-BE49-F238E27FC236}">
+                <a16:creationId xmlns:a16="http://schemas.microsoft.com/office/drawing/2014/main" id="{2B2EFD60-F69C-436C-9AFC-15BC4C5ADE5C}"/>
+              </a:ext>
+            </a:extLst>
+          </p:cNvPr>
           <p:cNvPicPr>
             <a:picLocks noChangeAspect="1" noChangeArrowheads="1"/>
           </p:cNvPicPr>
@@ -5996,8 +6169,8 @@
         </p:blipFill>
         <p:spPr bwMode="auto">
           <a:xfrm>
-            <a:off x="1752600" y="2819400"/>
-            <a:ext cx="4971841" cy="3878037"/>
+            <a:off x="106185" y="4021529"/>
+            <a:ext cx="3651365" cy="1201568"/>
           </a:xfrm>
           <a:prstGeom prst="rect">
             <a:avLst/>
@@ -6014,10 +6187,3199 @@
           </a:extLst>
         </p:spPr>
       </p:pic>
+      <p:cxnSp>
+        <p:nvCxnSpPr>
+          <p:cNvPr id="8" name="Straight Arrow Connector 7">
+            <a:extLst>
+              <a:ext uri="{FF2B5EF4-FFF2-40B4-BE49-F238E27FC236}">
+                <a16:creationId xmlns:a16="http://schemas.microsoft.com/office/drawing/2014/main" id="{90C6E1D7-D279-4E03-A320-BCA849A6BADF}"/>
+              </a:ext>
+            </a:extLst>
+          </p:cNvPr>
+          <p:cNvCxnSpPr>
+            <a:cxnSpLocks/>
+          </p:cNvCxnSpPr>
+          <p:nvPr/>
+        </p:nvCxnSpPr>
+        <p:spPr>
+          <a:xfrm flipH="1" flipV="1">
+            <a:off x="923428" y="5202683"/>
+            <a:ext cx="13455" cy="514460"/>
+          </a:xfrm>
+          <a:prstGeom prst="straightConnector1">
+            <a:avLst/>
+          </a:prstGeom>
+          <a:ln>
+            <a:solidFill>
+              <a:srgbClr val="FF0000"/>
+            </a:solidFill>
+            <a:tailEnd type="arrow"/>
+          </a:ln>
+        </p:spPr>
+        <p:style>
+          <a:lnRef idx="3">
+            <a:schemeClr val="accent2"/>
+          </a:lnRef>
+          <a:fillRef idx="0">
+            <a:schemeClr val="accent2"/>
+          </a:fillRef>
+          <a:effectRef idx="2">
+            <a:schemeClr val="accent2"/>
+          </a:effectRef>
+          <a:fontRef idx="minor">
+            <a:schemeClr val="tx1"/>
+          </a:fontRef>
+        </p:style>
+      </p:cxnSp>
+      <p:cxnSp>
+        <p:nvCxnSpPr>
+          <p:cNvPr id="9" name="Straight Arrow Connector 8">
+            <a:extLst>
+              <a:ext uri="{FF2B5EF4-FFF2-40B4-BE49-F238E27FC236}">
+                <a16:creationId xmlns:a16="http://schemas.microsoft.com/office/drawing/2014/main" id="{E7680751-0784-4E08-B4F3-C113E04DDB57}"/>
+              </a:ext>
+            </a:extLst>
+          </p:cNvPr>
+          <p:cNvCxnSpPr>
+            <a:cxnSpLocks/>
+          </p:cNvCxnSpPr>
+          <p:nvPr/>
+        </p:nvCxnSpPr>
+        <p:spPr>
+          <a:xfrm flipV="1">
+            <a:off x="3049410" y="5174108"/>
+            <a:ext cx="0" cy="738201"/>
+          </a:xfrm>
+          <a:prstGeom prst="straightConnector1">
+            <a:avLst/>
+          </a:prstGeom>
+          <a:ln>
+            <a:solidFill>
+              <a:srgbClr val="FF0000"/>
+            </a:solidFill>
+            <a:tailEnd type="arrow"/>
+          </a:ln>
+        </p:spPr>
+        <p:style>
+          <a:lnRef idx="3">
+            <a:schemeClr val="accent2"/>
+          </a:lnRef>
+          <a:fillRef idx="0">
+            <a:schemeClr val="accent2"/>
+          </a:fillRef>
+          <a:effectRef idx="2">
+            <a:schemeClr val="accent2"/>
+          </a:effectRef>
+          <a:fontRef idx="minor">
+            <a:schemeClr val="tx1"/>
+          </a:fontRef>
+        </p:style>
+      </p:cxnSp>
+      <p:cxnSp>
+        <p:nvCxnSpPr>
+          <p:cNvPr id="10" name="Straight Arrow Connector 9">
+            <a:extLst>
+              <a:ext uri="{FF2B5EF4-FFF2-40B4-BE49-F238E27FC236}">
+                <a16:creationId xmlns:a16="http://schemas.microsoft.com/office/drawing/2014/main" id="{9CE9571E-D87F-48A6-BB37-DBF8F315E684}"/>
+              </a:ext>
+            </a:extLst>
+          </p:cNvPr>
+          <p:cNvCxnSpPr>
+            <a:cxnSpLocks/>
+          </p:cNvCxnSpPr>
+          <p:nvPr/>
+        </p:nvCxnSpPr>
+        <p:spPr>
+          <a:xfrm flipH="1" flipV="1">
+            <a:off x="2619698" y="5182608"/>
+            <a:ext cx="397906" cy="11033"/>
+          </a:xfrm>
+          <a:prstGeom prst="straightConnector1">
+            <a:avLst/>
+          </a:prstGeom>
+          <a:ln>
+            <a:solidFill>
+              <a:srgbClr val="FF0000"/>
+            </a:solidFill>
+            <a:tailEnd type="arrow"/>
+          </a:ln>
+        </p:spPr>
+        <p:style>
+          <a:lnRef idx="3">
+            <a:schemeClr val="accent2"/>
+          </a:lnRef>
+          <a:fillRef idx="0">
+            <a:schemeClr val="accent2"/>
+          </a:fillRef>
+          <a:effectRef idx="2">
+            <a:schemeClr val="accent2"/>
+          </a:effectRef>
+          <a:fontRef idx="minor">
+            <a:schemeClr val="tx1"/>
+          </a:fontRef>
+        </p:style>
+      </p:cxnSp>
+      <p:cxnSp>
+        <p:nvCxnSpPr>
+          <p:cNvPr id="11" name="Straight Arrow Connector 10">
+            <a:extLst>
+              <a:ext uri="{FF2B5EF4-FFF2-40B4-BE49-F238E27FC236}">
+                <a16:creationId xmlns:a16="http://schemas.microsoft.com/office/drawing/2014/main" id="{1FF99665-ABFE-40B3-B857-4879061712B9}"/>
+              </a:ext>
+            </a:extLst>
+          </p:cNvPr>
+          <p:cNvCxnSpPr>
+            <a:cxnSpLocks/>
+          </p:cNvCxnSpPr>
+          <p:nvPr/>
+        </p:nvCxnSpPr>
+        <p:spPr>
+          <a:xfrm flipH="1" flipV="1">
+            <a:off x="461343" y="5193825"/>
+            <a:ext cx="462085" cy="17715"/>
+          </a:xfrm>
+          <a:prstGeom prst="straightConnector1">
+            <a:avLst/>
+          </a:prstGeom>
+          <a:ln>
+            <a:solidFill>
+              <a:srgbClr val="FF0000"/>
+            </a:solidFill>
+            <a:tailEnd type="arrow"/>
+          </a:ln>
+        </p:spPr>
+        <p:style>
+          <a:lnRef idx="3">
+            <a:schemeClr val="accent2"/>
+          </a:lnRef>
+          <a:fillRef idx="0">
+            <a:schemeClr val="accent2"/>
+          </a:fillRef>
+          <a:effectRef idx="2">
+            <a:schemeClr val="accent2"/>
+          </a:effectRef>
+          <a:fontRef idx="minor">
+            <a:schemeClr val="tx1"/>
+          </a:fontRef>
+        </p:style>
+      </p:cxnSp>
+      <p:sp>
+        <p:nvSpPr>
+          <p:cNvPr id="12" name="TextBox 11">
+            <a:extLst>
+              <a:ext uri="{FF2B5EF4-FFF2-40B4-BE49-F238E27FC236}">
+                <a16:creationId xmlns:a16="http://schemas.microsoft.com/office/drawing/2014/main" id="{867A45A2-3751-4E22-940C-A635A174FC39}"/>
+              </a:ext>
+            </a:extLst>
+          </p:cNvPr>
+          <p:cNvSpPr txBox="1"/>
+          <p:nvPr/>
+        </p:nvSpPr>
+        <p:spPr>
+          <a:xfrm>
+            <a:off x="0" y="5248275"/>
+            <a:ext cx="741357" cy="369332"/>
+          </a:xfrm>
+          <a:prstGeom prst="rect">
+            <a:avLst/>
+          </a:prstGeom>
+          <a:noFill/>
+        </p:spPr>
+        <p:txBody>
+          <a:bodyPr wrap="none" rtlCol="0">
+            <a:spAutoFit/>
+          </a:bodyPr>
+          <a:lstStyle/>
+          <a:p>
+            <a:r>
+              <a:rPr lang="en-US" b="1" dirty="0">
+                <a:solidFill>
+                  <a:srgbClr val="FF0000"/>
+                </a:solidFill>
+              </a:rPr>
+              <a:t>30 lbs</a:t>
+            </a:r>
+          </a:p>
+        </p:txBody>
+      </p:sp>
+      <p:sp>
+        <p:nvSpPr>
+          <p:cNvPr id="13" name="TextBox 12">
+            <a:extLst>
+              <a:ext uri="{FF2B5EF4-FFF2-40B4-BE49-F238E27FC236}">
+                <a16:creationId xmlns:a16="http://schemas.microsoft.com/office/drawing/2014/main" id="{B0B9E8FB-CA4C-4F2B-89F6-561E64858744}"/>
+              </a:ext>
+            </a:extLst>
+          </p:cNvPr>
+          <p:cNvSpPr txBox="1"/>
+          <p:nvPr/>
+        </p:nvSpPr>
+        <p:spPr>
+          <a:xfrm>
+            <a:off x="2189147" y="5240893"/>
+            <a:ext cx="741357" cy="369332"/>
+          </a:xfrm>
+          <a:prstGeom prst="rect">
+            <a:avLst/>
+          </a:prstGeom>
+          <a:noFill/>
+        </p:spPr>
+        <p:txBody>
+          <a:bodyPr wrap="none" rtlCol="0">
+            <a:spAutoFit/>
+          </a:bodyPr>
+          <a:lstStyle/>
+          <a:p>
+            <a:r>
+              <a:rPr lang="en-US" b="1" dirty="0">
+                <a:solidFill>
+                  <a:srgbClr val="FF0000"/>
+                </a:solidFill>
+              </a:rPr>
+              <a:t>50 lbs</a:t>
+            </a:r>
+          </a:p>
+        </p:txBody>
+      </p:sp>
+      <p:sp>
+        <p:nvSpPr>
+          <p:cNvPr id="14" name="Oval 13">
+            <a:extLst>
+              <a:ext uri="{FF2B5EF4-FFF2-40B4-BE49-F238E27FC236}">
+                <a16:creationId xmlns:a16="http://schemas.microsoft.com/office/drawing/2014/main" id="{CA47D80D-F77E-4DF8-967D-781243CD38DF}"/>
+              </a:ext>
+            </a:extLst>
+          </p:cNvPr>
+          <p:cNvSpPr/>
+          <p:nvPr/>
+        </p:nvSpPr>
+        <p:spPr>
+          <a:xfrm>
+            <a:off x="2014995" y="4638675"/>
+            <a:ext cx="91440" cy="87868"/>
+          </a:xfrm>
+          <a:prstGeom prst="ellipse">
+            <a:avLst/>
+          </a:prstGeom>
+          <a:solidFill>
+            <a:schemeClr val="bg1"/>
+          </a:solidFill>
+        </p:spPr>
+        <p:style>
+          <a:lnRef idx="2">
+            <a:schemeClr val="dk1">
+              <a:shade val="50000"/>
+            </a:schemeClr>
+          </a:lnRef>
+          <a:fillRef idx="1">
+            <a:schemeClr val="dk1"/>
+          </a:fillRef>
+          <a:effectRef idx="0">
+            <a:schemeClr val="dk1"/>
+          </a:effectRef>
+          <a:fontRef idx="minor">
+            <a:schemeClr val="lt1"/>
+          </a:fontRef>
+        </p:style>
+        <p:txBody>
+          <a:bodyPr rtlCol="0" anchor="ctr"/>
+          <a:lstStyle/>
+          <a:p>
+            <a:pPr algn="ctr"/>
+            <a:endParaRPr lang="en-US"/>
+          </a:p>
+        </p:txBody>
+      </p:sp>
+      <p:sp>
+        <p:nvSpPr>
+          <p:cNvPr id="15" name="TextBox 14">
+            <a:extLst>
+              <a:ext uri="{FF2B5EF4-FFF2-40B4-BE49-F238E27FC236}">
+                <a16:creationId xmlns:a16="http://schemas.microsoft.com/office/drawing/2014/main" id="{C10BB483-1B34-4102-A028-70438A4254B5}"/>
+              </a:ext>
+            </a:extLst>
+          </p:cNvPr>
+          <p:cNvSpPr txBox="1"/>
+          <p:nvPr/>
+        </p:nvSpPr>
+        <p:spPr>
+          <a:xfrm>
+            <a:off x="2059273" y="4334137"/>
+            <a:ext cx="332142" cy="369332"/>
+          </a:xfrm>
+          <a:prstGeom prst="rect">
+            <a:avLst/>
+          </a:prstGeom>
+          <a:noFill/>
+        </p:spPr>
+        <p:txBody>
+          <a:bodyPr wrap="none" rtlCol="0">
+            <a:spAutoFit/>
+          </a:bodyPr>
+          <a:lstStyle/>
+          <a:p>
+            <a:r>
+              <a:rPr lang="en-US" b="1" dirty="0">
+                <a:solidFill>
+                  <a:schemeClr val="bg1"/>
+                </a:solidFill>
+              </a:rPr>
+              <a:t>G</a:t>
+            </a:r>
+          </a:p>
+        </p:txBody>
+      </p:sp>
+      <p:cxnSp>
+        <p:nvCxnSpPr>
+          <p:cNvPr id="16" name="Straight Connector 15">
+            <a:extLst>
+              <a:ext uri="{FF2B5EF4-FFF2-40B4-BE49-F238E27FC236}">
+                <a16:creationId xmlns:a16="http://schemas.microsoft.com/office/drawing/2014/main" id="{DC1C6EB4-74AD-43F6-892C-87CC71EDA038}"/>
+              </a:ext>
+            </a:extLst>
+          </p:cNvPr>
+          <p:cNvCxnSpPr>
+            <a:cxnSpLocks/>
+          </p:cNvCxnSpPr>
+          <p:nvPr/>
+        </p:nvCxnSpPr>
+        <p:spPr>
+          <a:xfrm flipH="1" flipV="1">
+            <a:off x="923428" y="3478768"/>
+            <a:ext cx="0" cy="1723915"/>
+          </a:xfrm>
+          <a:prstGeom prst="line">
+            <a:avLst/>
+          </a:prstGeom>
+        </p:spPr>
+        <p:style>
+          <a:lnRef idx="1">
+            <a:schemeClr val="accent1"/>
+          </a:lnRef>
+          <a:fillRef idx="0">
+            <a:schemeClr val="accent1"/>
+          </a:fillRef>
+          <a:effectRef idx="0">
+            <a:schemeClr val="accent1"/>
+          </a:effectRef>
+          <a:fontRef idx="minor">
+            <a:schemeClr val="tx1"/>
+          </a:fontRef>
+        </p:style>
+      </p:cxnSp>
+      <p:cxnSp>
+        <p:nvCxnSpPr>
+          <p:cNvPr id="19" name="Straight Connector 18">
+            <a:extLst>
+              <a:ext uri="{FF2B5EF4-FFF2-40B4-BE49-F238E27FC236}">
+                <a16:creationId xmlns:a16="http://schemas.microsoft.com/office/drawing/2014/main" id="{79E17B50-1E7C-4BB7-AB11-B5C1973C40F7}"/>
+              </a:ext>
+            </a:extLst>
+          </p:cNvPr>
+          <p:cNvCxnSpPr>
+            <a:cxnSpLocks/>
+          </p:cNvCxnSpPr>
+          <p:nvPr/>
+        </p:nvCxnSpPr>
+        <p:spPr>
+          <a:xfrm>
+            <a:off x="936883" y="3746852"/>
+            <a:ext cx="2088040" cy="0"/>
+          </a:xfrm>
+          <a:prstGeom prst="line">
+            <a:avLst/>
+          </a:prstGeom>
+        </p:spPr>
+        <p:style>
+          <a:lnRef idx="1">
+            <a:schemeClr val="accent1"/>
+          </a:lnRef>
+          <a:fillRef idx="0">
+            <a:schemeClr val="accent1"/>
+          </a:fillRef>
+          <a:effectRef idx="0">
+            <a:schemeClr val="accent1"/>
+          </a:effectRef>
+          <a:fontRef idx="minor">
+            <a:schemeClr val="tx1"/>
+          </a:fontRef>
+        </p:style>
+      </p:cxnSp>
+      <p:cxnSp>
+        <p:nvCxnSpPr>
+          <p:cNvPr id="20" name="Straight Connector 19">
+            <a:extLst>
+              <a:ext uri="{FF2B5EF4-FFF2-40B4-BE49-F238E27FC236}">
+                <a16:creationId xmlns:a16="http://schemas.microsoft.com/office/drawing/2014/main" id="{4B227E24-2C30-4A19-A3D5-4934435C34EB}"/>
+              </a:ext>
+            </a:extLst>
+          </p:cNvPr>
+          <p:cNvCxnSpPr>
+            <a:cxnSpLocks/>
+          </p:cNvCxnSpPr>
+          <p:nvPr/>
+        </p:nvCxnSpPr>
+        <p:spPr>
+          <a:xfrm flipV="1">
+            <a:off x="2133154" y="4657725"/>
+            <a:ext cx="2170179" cy="0"/>
+          </a:xfrm>
+          <a:prstGeom prst="line">
+            <a:avLst/>
+          </a:prstGeom>
+        </p:spPr>
+        <p:style>
+          <a:lnRef idx="1">
+            <a:schemeClr val="accent1"/>
+          </a:lnRef>
+          <a:fillRef idx="0">
+            <a:schemeClr val="accent1"/>
+          </a:fillRef>
+          <a:effectRef idx="0">
+            <a:schemeClr val="accent1"/>
+          </a:effectRef>
+          <a:fontRef idx="minor">
+            <a:schemeClr val="tx1"/>
+          </a:fontRef>
+        </p:style>
+      </p:cxnSp>
+      <p:cxnSp>
+        <p:nvCxnSpPr>
+          <p:cNvPr id="21" name="Straight Connector 20">
+            <a:extLst>
+              <a:ext uri="{FF2B5EF4-FFF2-40B4-BE49-F238E27FC236}">
+                <a16:creationId xmlns:a16="http://schemas.microsoft.com/office/drawing/2014/main" id="{3BE272A5-06EB-466A-B9EE-E23C9F2CDB39}"/>
+              </a:ext>
+            </a:extLst>
+          </p:cNvPr>
+          <p:cNvCxnSpPr>
+            <a:cxnSpLocks/>
+          </p:cNvCxnSpPr>
+          <p:nvPr/>
+        </p:nvCxnSpPr>
+        <p:spPr>
+          <a:xfrm>
+            <a:off x="3005595" y="5182608"/>
+            <a:ext cx="1367790" cy="0"/>
+          </a:xfrm>
+          <a:prstGeom prst="line">
+            <a:avLst/>
+          </a:prstGeom>
+        </p:spPr>
+        <p:style>
+          <a:lnRef idx="1">
+            <a:schemeClr val="accent1"/>
+          </a:lnRef>
+          <a:fillRef idx="0">
+            <a:schemeClr val="accent1"/>
+          </a:fillRef>
+          <a:effectRef idx="0">
+            <a:schemeClr val="accent1"/>
+          </a:effectRef>
+          <a:fontRef idx="minor">
+            <a:schemeClr val="tx1"/>
+          </a:fontRef>
+        </p:style>
+      </p:cxnSp>
+      <p:cxnSp>
+        <p:nvCxnSpPr>
+          <p:cNvPr id="22" name="Straight Connector 21">
+            <a:extLst>
+              <a:ext uri="{FF2B5EF4-FFF2-40B4-BE49-F238E27FC236}">
+                <a16:creationId xmlns:a16="http://schemas.microsoft.com/office/drawing/2014/main" id="{BB569C33-9EE1-4ABE-9630-D92A70114A91}"/>
+              </a:ext>
+            </a:extLst>
+          </p:cNvPr>
+          <p:cNvCxnSpPr>
+            <a:cxnSpLocks/>
+          </p:cNvCxnSpPr>
+          <p:nvPr/>
+        </p:nvCxnSpPr>
+        <p:spPr>
+          <a:xfrm>
+            <a:off x="4068585" y="4657725"/>
+            <a:ext cx="0" cy="544958"/>
+          </a:xfrm>
+          <a:prstGeom prst="line">
+            <a:avLst/>
+          </a:prstGeom>
+        </p:spPr>
+        <p:style>
+          <a:lnRef idx="1">
+            <a:schemeClr val="accent1"/>
+          </a:lnRef>
+          <a:fillRef idx="0">
+            <a:schemeClr val="accent1"/>
+          </a:fillRef>
+          <a:effectRef idx="0">
+            <a:schemeClr val="accent1"/>
+          </a:effectRef>
+          <a:fontRef idx="minor">
+            <a:schemeClr val="tx1"/>
+          </a:fontRef>
+        </p:style>
+      </p:cxnSp>
+      <p:sp>
+        <p:nvSpPr>
+          <p:cNvPr id="23" name="TextBox 22">
+            <a:extLst>
+              <a:ext uri="{FF2B5EF4-FFF2-40B4-BE49-F238E27FC236}">
+                <a16:creationId xmlns:a16="http://schemas.microsoft.com/office/drawing/2014/main" id="{272FC0B3-2E1A-4126-9979-8108E38EBC2F}"/>
+              </a:ext>
+            </a:extLst>
+          </p:cNvPr>
+          <p:cNvSpPr txBox="1"/>
+          <p:nvPr/>
+        </p:nvSpPr>
+        <p:spPr>
+          <a:xfrm>
+            <a:off x="1237784" y="3574018"/>
+            <a:ext cx="502061" cy="369332"/>
+          </a:xfrm>
+          <a:prstGeom prst="rect">
+            <a:avLst/>
+          </a:prstGeom>
+          <a:solidFill>
+            <a:schemeClr val="bg1"/>
+          </a:solidFill>
+        </p:spPr>
+        <p:txBody>
+          <a:bodyPr wrap="none" rtlCol="0">
+            <a:spAutoFit/>
+          </a:bodyPr>
+          <a:lstStyle/>
+          <a:p>
+            <a:r>
+              <a:rPr lang="en-US" dirty="0">
+                <a:solidFill>
+                  <a:schemeClr val="accent1"/>
+                </a:solidFill>
+              </a:rPr>
+              <a:t>5 ft</a:t>
+            </a:r>
+          </a:p>
+        </p:txBody>
+      </p:sp>
+      <p:sp>
+        <p:nvSpPr>
+          <p:cNvPr id="24" name="TextBox 23">
+            <a:extLst>
+              <a:ext uri="{FF2B5EF4-FFF2-40B4-BE49-F238E27FC236}">
+                <a16:creationId xmlns:a16="http://schemas.microsoft.com/office/drawing/2014/main" id="{D433437D-EE1E-4DBE-9DA0-574FCF8A3BA3}"/>
+              </a:ext>
+            </a:extLst>
+          </p:cNvPr>
+          <p:cNvSpPr txBox="1"/>
+          <p:nvPr/>
+        </p:nvSpPr>
+        <p:spPr>
+          <a:xfrm>
+            <a:off x="2306462" y="3583935"/>
+            <a:ext cx="502061" cy="369332"/>
+          </a:xfrm>
+          <a:prstGeom prst="rect">
+            <a:avLst/>
+          </a:prstGeom>
+          <a:solidFill>
+            <a:schemeClr val="bg1"/>
+          </a:solidFill>
+        </p:spPr>
+        <p:txBody>
+          <a:bodyPr wrap="none" rtlCol="0">
+            <a:spAutoFit/>
+          </a:bodyPr>
+          <a:lstStyle/>
+          <a:p>
+            <a:r>
+              <a:rPr lang="en-US" dirty="0">
+                <a:solidFill>
+                  <a:schemeClr val="accent1"/>
+                </a:solidFill>
+              </a:rPr>
+              <a:t>4 ft</a:t>
+            </a:r>
+          </a:p>
+        </p:txBody>
+      </p:sp>
+      <p:sp>
+        <p:nvSpPr>
+          <p:cNvPr id="25" name="TextBox 24">
+            <a:extLst>
+              <a:ext uri="{FF2B5EF4-FFF2-40B4-BE49-F238E27FC236}">
+                <a16:creationId xmlns:a16="http://schemas.microsoft.com/office/drawing/2014/main" id="{34F89CFF-66A7-4768-A372-5047FF0F9F5E}"/>
+              </a:ext>
+            </a:extLst>
+          </p:cNvPr>
+          <p:cNvSpPr txBox="1"/>
+          <p:nvPr/>
+        </p:nvSpPr>
+        <p:spPr>
+          <a:xfrm>
+            <a:off x="3808689" y="4724893"/>
+            <a:ext cx="676788" cy="369332"/>
+          </a:xfrm>
+          <a:prstGeom prst="rect">
+            <a:avLst/>
+          </a:prstGeom>
+          <a:solidFill>
+            <a:schemeClr val="bg1"/>
+          </a:solidFill>
+        </p:spPr>
+        <p:txBody>
+          <a:bodyPr wrap="none" rtlCol="0">
+            <a:spAutoFit/>
+          </a:bodyPr>
+          <a:lstStyle/>
+          <a:p>
+            <a:r>
+              <a:rPr lang="en-US" dirty="0">
+                <a:solidFill>
+                  <a:schemeClr val="accent1"/>
+                </a:solidFill>
+              </a:rPr>
+              <a:t>2.5 ft</a:t>
+            </a:r>
+          </a:p>
+        </p:txBody>
+      </p:sp>
+      <p:cxnSp>
+        <p:nvCxnSpPr>
+          <p:cNvPr id="26" name="Straight Arrow Connector 25">
+            <a:extLst>
+              <a:ext uri="{FF2B5EF4-FFF2-40B4-BE49-F238E27FC236}">
+                <a16:creationId xmlns:a16="http://schemas.microsoft.com/office/drawing/2014/main" id="{0FD3EE16-55EB-4D01-81A5-C3289EBAF1E5}"/>
+              </a:ext>
+            </a:extLst>
+          </p:cNvPr>
+          <p:cNvCxnSpPr>
+            <a:cxnSpLocks/>
+          </p:cNvCxnSpPr>
+          <p:nvPr/>
+        </p:nvCxnSpPr>
+        <p:spPr>
+          <a:xfrm>
+            <a:off x="2070240" y="4711184"/>
+            <a:ext cx="0" cy="906423"/>
+          </a:xfrm>
+          <a:prstGeom prst="straightConnector1">
+            <a:avLst/>
+          </a:prstGeom>
+          <a:ln>
+            <a:solidFill>
+              <a:srgbClr val="FF0000"/>
+            </a:solidFill>
+            <a:tailEnd type="arrow"/>
+          </a:ln>
+        </p:spPr>
+        <p:style>
+          <a:lnRef idx="3">
+            <a:schemeClr val="accent2"/>
+          </a:lnRef>
+          <a:fillRef idx="0">
+            <a:schemeClr val="accent2"/>
+          </a:fillRef>
+          <a:effectRef idx="2">
+            <a:schemeClr val="accent2"/>
+          </a:effectRef>
+          <a:fontRef idx="minor">
+            <a:schemeClr val="tx1"/>
+          </a:fontRef>
+        </p:style>
+      </p:cxnSp>
+      <p:sp>
+        <p:nvSpPr>
+          <p:cNvPr id="27" name="TextBox 26">
+            <a:extLst>
+              <a:ext uri="{FF2B5EF4-FFF2-40B4-BE49-F238E27FC236}">
+                <a16:creationId xmlns:a16="http://schemas.microsoft.com/office/drawing/2014/main" id="{ACFA6671-CE2F-4A7B-9C22-0EF26FCAD275}"/>
+              </a:ext>
+            </a:extLst>
+          </p:cNvPr>
+          <p:cNvSpPr txBox="1"/>
+          <p:nvPr/>
+        </p:nvSpPr>
+        <p:spPr>
+          <a:xfrm>
+            <a:off x="1599687" y="5647390"/>
+            <a:ext cx="975395" cy="369332"/>
+          </a:xfrm>
+          <a:prstGeom prst="rect">
+            <a:avLst/>
+          </a:prstGeom>
+          <a:noFill/>
+        </p:spPr>
+        <p:txBody>
+          <a:bodyPr wrap="none" rtlCol="0">
+            <a:spAutoFit/>
+          </a:bodyPr>
+          <a:lstStyle/>
+          <a:p>
+            <a:r>
+              <a:rPr lang="en-US" b="1" dirty="0">
+                <a:solidFill>
+                  <a:srgbClr val="FF0000"/>
+                </a:solidFill>
+              </a:rPr>
+              <a:t>1400 lbs</a:t>
+            </a:r>
+          </a:p>
+        </p:txBody>
+      </p:sp>
+      <p:cxnSp>
+        <p:nvCxnSpPr>
+          <p:cNvPr id="32" name="Straight Connector 31">
+            <a:extLst>
+              <a:ext uri="{FF2B5EF4-FFF2-40B4-BE49-F238E27FC236}">
+                <a16:creationId xmlns:a16="http://schemas.microsoft.com/office/drawing/2014/main" id="{6259A702-B47C-48CD-A159-A23A04203D91}"/>
+              </a:ext>
+            </a:extLst>
+          </p:cNvPr>
+          <p:cNvCxnSpPr>
+            <a:cxnSpLocks/>
+          </p:cNvCxnSpPr>
+          <p:nvPr/>
+        </p:nvCxnSpPr>
+        <p:spPr>
+          <a:xfrm flipH="1" flipV="1">
+            <a:off x="3049410" y="3459828"/>
+            <a:ext cx="0" cy="1723915"/>
+          </a:xfrm>
+          <a:prstGeom prst="line">
+            <a:avLst/>
+          </a:prstGeom>
+        </p:spPr>
+        <p:style>
+          <a:lnRef idx="1">
+            <a:schemeClr val="accent1"/>
+          </a:lnRef>
+          <a:fillRef idx="0">
+            <a:schemeClr val="accent1"/>
+          </a:fillRef>
+          <a:effectRef idx="0">
+            <a:schemeClr val="accent1"/>
+          </a:effectRef>
+          <a:fontRef idx="minor">
+            <a:schemeClr val="tx1"/>
+          </a:fontRef>
+        </p:style>
+      </p:cxnSp>
+      <p:cxnSp>
+        <p:nvCxnSpPr>
+          <p:cNvPr id="33" name="Straight Connector 32">
+            <a:extLst>
+              <a:ext uri="{FF2B5EF4-FFF2-40B4-BE49-F238E27FC236}">
+                <a16:creationId xmlns:a16="http://schemas.microsoft.com/office/drawing/2014/main" id="{42D504B2-B8C5-4AA1-BF43-6671993AB464}"/>
+              </a:ext>
+            </a:extLst>
+          </p:cNvPr>
+          <p:cNvCxnSpPr>
+            <a:cxnSpLocks/>
+          </p:cNvCxnSpPr>
+          <p:nvPr/>
+        </p:nvCxnSpPr>
+        <p:spPr>
+          <a:xfrm flipV="1">
+            <a:off x="2060715" y="3478768"/>
+            <a:ext cx="9525" cy="1100774"/>
+          </a:xfrm>
+          <a:prstGeom prst="line">
+            <a:avLst/>
+          </a:prstGeom>
+        </p:spPr>
+        <p:style>
+          <a:lnRef idx="1">
+            <a:schemeClr val="accent1"/>
+          </a:lnRef>
+          <a:fillRef idx="0">
+            <a:schemeClr val="accent1"/>
+          </a:fillRef>
+          <a:effectRef idx="0">
+            <a:schemeClr val="accent1"/>
+          </a:effectRef>
+          <a:fontRef idx="minor">
+            <a:schemeClr val="tx1"/>
+          </a:fontRef>
+        </p:style>
+      </p:cxnSp>
+      <p:sp>
+        <p:nvSpPr>
+          <p:cNvPr id="55" name="TextBox 54">
+            <a:extLst>
+              <a:ext uri="{FF2B5EF4-FFF2-40B4-BE49-F238E27FC236}">
+                <a16:creationId xmlns:a16="http://schemas.microsoft.com/office/drawing/2014/main" id="{2F86000C-323F-45F9-A225-7CFABCB9997E}"/>
+              </a:ext>
+            </a:extLst>
+          </p:cNvPr>
+          <p:cNvSpPr txBox="1"/>
+          <p:nvPr/>
+        </p:nvSpPr>
+        <p:spPr>
+          <a:xfrm>
+            <a:off x="507694" y="5784798"/>
+            <a:ext cx="858377" cy="369332"/>
+          </a:xfrm>
+          <a:prstGeom prst="rect">
+            <a:avLst/>
+          </a:prstGeom>
+          <a:noFill/>
+        </p:spPr>
+        <p:txBody>
+          <a:bodyPr wrap="none" rtlCol="0">
+            <a:spAutoFit/>
+          </a:bodyPr>
+          <a:lstStyle/>
+          <a:p>
+            <a:r>
+              <a:rPr lang="en-US" b="1" dirty="0">
+                <a:solidFill>
+                  <a:srgbClr val="FF0000"/>
+                </a:solidFill>
+              </a:rPr>
+              <a:t>600 lbs</a:t>
+            </a:r>
+          </a:p>
+        </p:txBody>
+      </p:sp>
+      <p:sp>
+        <p:nvSpPr>
+          <p:cNvPr id="56" name="TextBox 55">
+            <a:extLst>
+              <a:ext uri="{FF2B5EF4-FFF2-40B4-BE49-F238E27FC236}">
+                <a16:creationId xmlns:a16="http://schemas.microsoft.com/office/drawing/2014/main" id="{C56C62B1-7DD5-4F22-91B7-168E5A8224E0}"/>
+              </a:ext>
+            </a:extLst>
+          </p:cNvPr>
+          <p:cNvSpPr txBox="1"/>
+          <p:nvPr/>
+        </p:nvSpPr>
+        <p:spPr>
+          <a:xfrm>
+            <a:off x="2620247" y="5934615"/>
+            <a:ext cx="858377" cy="369332"/>
+          </a:xfrm>
+          <a:prstGeom prst="rect">
+            <a:avLst/>
+          </a:prstGeom>
+          <a:noFill/>
+        </p:spPr>
+        <p:txBody>
+          <a:bodyPr wrap="none" rtlCol="0">
+            <a:spAutoFit/>
+          </a:bodyPr>
+          <a:lstStyle/>
+          <a:p>
+            <a:r>
+              <a:rPr lang="en-US" b="1" dirty="0">
+                <a:solidFill>
+                  <a:srgbClr val="FF0000"/>
+                </a:solidFill>
+              </a:rPr>
+              <a:t>800 lbs</a:t>
+            </a:r>
+          </a:p>
+        </p:txBody>
+      </p:sp>
+      <p:pic>
+        <p:nvPicPr>
+          <p:cNvPr id="57" name="Picture 2" descr="http://9pixs.com/wp-content/uploads/2014/06/clip-art-car_1404139436.jpg">
+            <a:extLst>
+              <a:ext uri="{FF2B5EF4-FFF2-40B4-BE49-F238E27FC236}">
+                <a16:creationId xmlns:a16="http://schemas.microsoft.com/office/drawing/2014/main" id="{408FBB16-0CEA-4DE5-B9AD-AE010EA793CD}"/>
+              </a:ext>
+            </a:extLst>
+          </p:cNvPr>
+          <p:cNvPicPr>
+            <a:picLocks noChangeAspect="1" noChangeArrowheads="1"/>
+          </p:cNvPicPr>
+          <p:nvPr/>
+        </p:nvPicPr>
+        <p:blipFill>
+          <a:blip r:embed="rId2">
+            <a:extLst>
+              <a:ext uri="{28A0092B-C50C-407E-A947-70E740481C1C}">
+                <a14:useLocalDpi xmlns:a14="http://schemas.microsoft.com/office/drawing/2010/main" val="0"/>
+              </a:ext>
+            </a:extLst>
+          </a:blip>
+          <a:srcRect/>
+          <a:stretch>
+            <a:fillRect/>
+          </a:stretch>
+        </p:blipFill>
+        <p:spPr bwMode="auto">
+          <a:xfrm>
+            <a:off x="4754385" y="3984398"/>
+            <a:ext cx="3651365" cy="1201568"/>
+          </a:xfrm>
+          <a:prstGeom prst="rect">
+            <a:avLst/>
+          </a:prstGeom>
+          <a:noFill/>
+          <a:extLst>
+            <a:ext uri="{909E8E84-426E-40DD-AFC4-6F175D3DCCD1}">
+              <a14:hiddenFill xmlns:a14="http://schemas.microsoft.com/office/drawing/2010/main">
+                <a:solidFill>
+                  <a:srgbClr val="FFFFFF"/>
+                </a:solidFill>
+              </a14:hiddenFill>
+            </a:ext>
+          </a:extLst>
+        </p:spPr>
+      </p:pic>
+      <p:cxnSp>
+        <p:nvCxnSpPr>
+          <p:cNvPr id="58" name="Straight Arrow Connector 57">
+            <a:extLst>
+              <a:ext uri="{FF2B5EF4-FFF2-40B4-BE49-F238E27FC236}">
+                <a16:creationId xmlns:a16="http://schemas.microsoft.com/office/drawing/2014/main" id="{E0C6128C-82B2-49AD-8D7F-E64DB632DF60}"/>
+              </a:ext>
+            </a:extLst>
+          </p:cNvPr>
+          <p:cNvCxnSpPr>
+            <a:cxnSpLocks/>
+          </p:cNvCxnSpPr>
+          <p:nvPr/>
+        </p:nvCxnSpPr>
+        <p:spPr>
+          <a:xfrm flipH="1" flipV="1">
+            <a:off x="5571628" y="5165552"/>
+            <a:ext cx="13455" cy="514460"/>
+          </a:xfrm>
+          <a:prstGeom prst="straightConnector1">
+            <a:avLst/>
+          </a:prstGeom>
+          <a:ln>
+            <a:solidFill>
+              <a:srgbClr val="FF0000"/>
+            </a:solidFill>
+            <a:tailEnd type="arrow"/>
+          </a:ln>
+        </p:spPr>
+        <p:style>
+          <a:lnRef idx="3">
+            <a:schemeClr val="accent2"/>
+          </a:lnRef>
+          <a:fillRef idx="0">
+            <a:schemeClr val="accent2"/>
+          </a:fillRef>
+          <a:effectRef idx="2">
+            <a:schemeClr val="accent2"/>
+          </a:effectRef>
+          <a:fontRef idx="minor">
+            <a:schemeClr val="tx1"/>
+          </a:fontRef>
+        </p:style>
+      </p:cxnSp>
+      <p:cxnSp>
+        <p:nvCxnSpPr>
+          <p:cNvPr id="59" name="Straight Arrow Connector 58">
+            <a:extLst>
+              <a:ext uri="{FF2B5EF4-FFF2-40B4-BE49-F238E27FC236}">
+                <a16:creationId xmlns:a16="http://schemas.microsoft.com/office/drawing/2014/main" id="{1F161BDC-2EEE-44FF-A0C4-3BF9AEF93E63}"/>
+              </a:ext>
+            </a:extLst>
+          </p:cNvPr>
+          <p:cNvCxnSpPr>
+            <a:cxnSpLocks/>
+          </p:cNvCxnSpPr>
+          <p:nvPr/>
+        </p:nvCxnSpPr>
+        <p:spPr>
+          <a:xfrm flipV="1">
+            <a:off x="7697610" y="5146502"/>
+            <a:ext cx="0" cy="738201"/>
+          </a:xfrm>
+          <a:prstGeom prst="straightConnector1">
+            <a:avLst/>
+          </a:prstGeom>
+          <a:ln>
+            <a:solidFill>
+              <a:srgbClr val="FF0000"/>
+            </a:solidFill>
+            <a:tailEnd type="arrow"/>
+          </a:ln>
+        </p:spPr>
+        <p:style>
+          <a:lnRef idx="3">
+            <a:schemeClr val="accent2"/>
+          </a:lnRef>
+          <a:fillRef idx="0">
+            <a:schemeClr val="accent2"/>
+          </a:fillRef>
+          <a:effectRef idx="2">
+            <a:schemeClr val="accent2"/>
+          </a:effectRef>
+          <a:fontRef idx="minor">
+            <a:schemeClr val="tx1"/>
+          </a:fontRef>
+        </p:style>
+      </p:cxnSp>
+      <p:cxnSp>
+        <p:nvCxnSpPr>
+          <p:cNvPr id="61" name="Straight Arrow Connector 60">
+            <a:extLst>
+              <a:ext uri="{FF2B5EF4-FFF2-40B4-BE49-F238E27FC236}">
+                <a16:creationId xmlns:a16="http://schemas.microsoft.com/office/drawing/2014/main" id="{440D0548-7656-4B24-AF07-383F4FE8C3B3}"/>
+              </a:ext>
+            </a:extLst>
+          </p:cNvPr>
+          <p:cNvCxnSpPr>
+            <a:cxnSpLocks/>
+          </p:cNvCxnSpPr>
+          <p:nvPr/>
+        </p:nvCxnSpPr>
+        <p:spPr>
+          <a:xfrm flipH="1" flipV="1">
+            <a:off x="6195890" y="4649535"/>
+            <a:ext cx="462085" cy="0"/>
+          </a:xfrm>
+          <a:prstGeom prst="straightConnector1">
+            <a:avLst/>
+          </a:prstGeom>
+          <a:ln>
+            <a:solidFill>
+              <a:srgbClr val="FF0000"/>
+            </a:solidFill>
+            <a:tailEnd type="arrow"/>
+          </a:ln>
+        </p:spPr>
+        <p:style>
+          <a:lnRef idx="3">
+            <a:schemeClr val="accent2"/>
+          </a:lnRef>
+          <a:fillRef idx="0">
+            <a:schemeClr val="accent2"/>
+          </a:fillRef>
+          <a:effectRef idx="2">
+            <a:schemeClr val="accent2"/>
+          </a:effectRef>
+          <a:fontRef idx="minor">
+            <a:schemeClr val="tx1"/>
+          </a:fontRef>
+        </p:style>
+      </p:cxnSp>
+      <p:sp>
+        <p:nvSpPr>
+          <p:cNvPr id="62" name="TextBox 61">
+            <a:extLst>
+              <a:ext uri="{FF2B5EF4-FFF2-40B4-BE49-F238E27FC236}">
+                <a16:creationId xmlns:a16="http://schemas.microsoft.com/office/drawing/2014/main" id="{6A9961A0-552B-406B-9BEF-9C40315DA951}"/>
+              </a:ext>
+            </a:extLst>
+          </p:cNvPr>
+          <p:cNvSpPr txBox="1"/>
+          <p:nvPr/>
+        </p:nvSpPr>
+        <p:spPr>
+          <a:xfrm>
+            <a:off x="5497518" y="4422379"/>
+            <a:ext cx="741357" cy="369332"/>
+          </a:xfrm>
+          <a:prstGeom prst="rect">
+            <a:avLst/>
+          </a:prstGeom>
+          <a:noFill/>
+        </p:spPr>
+        <p:txBody>
+          <a:bodyPr wrap="none" rtlCol="0">
+            <a:spAutoFit/>
+          </a:bodyPr>
+          <a:lstStyle/>
+          <a:p>
+            <a:r>
+              <a:rPr lang="en-US" b="1" dirty="0">
+                <a:solidFill>
+                  <a:srgbClr val="FF0000"/>
+                </a:solidFill>
+              </a:rPr>
+              <a:t>80 lbs</a:t>
+            </a:r>
+          </a:p>
+        </p:txBody>
+      </p:sp>
+      <p:sp>
+        <p:nvSpPr>
+          <p:cNvPr id="64" name="Oval 63">
+            <a:extLst>
+              <a:ext uri="{FF2B5EF4-FFF2-40B4-BE49-F238E27FC236}">
+                <a16:creationId xmlns:a16="http://schemas.microsoft.com/office/drawing/2014/main" id="{1D230BDE-58E9-43BF-BBA5-02584DF0D95A}"/>
+              </a:ext>
+            </a:extLst>
+          </p:cNvPr>
+          <p:cNvSpPr/>
+          <p:nvPr/>
+        </p:nvSpPr>
+        <p:spPr>
+          <a:xfrm>
+            <a:off x="6663195" y="4601544"/>
+            <a:ext cx="91440" cy="87868"/>
+          </a:xfrm>
+          <a:prstGeom prst="ellipse">
+            <a:avLst/>
+          </a:prstGeom>
+          <a:solidFill>
+            <a:schemeClr val="bg1"/>
+          </a:solidFill>
+        </p:spPr>
+        <p:style>
+          <a:lnRef idx="2">
+            <a:schemeClr val="dk1">
+              <a:shade val="50000"/>
+            </a:schemeClr>
+          </a:lnRef>
+          <a:fillRef idx="1">
+            <a:schemeClr val="dk1"/>
+          </a:fillRef>
+          <a:effectRef idx="0">
+            <a:schemeClr val="dk1"/>
+          </a:effectRef>
+          <a:fontRef idx="minor">
+            <a:schemeClr val="lt1"/>
+          </a:fontRef>
+        </p:style>
+        <p:txBody>
+          <a:bodyPr rtlCol="0" anchor="ctr"/>
+          <a:lstStyle/>
+          <a:p>
+            <a:pPr algn="ctr"/>
+            <a:endParaRPr lang="en-US"/>
+          </a:p>
+        </p:txBody>
+      </p:sp>
+      <p:sp>
+        <p:nvSpPr>
+          <p:cNvPr id="65" name="TextBox 64">
+            <a:extLst>
+              <a:ext uri="{FF2B5EF4-FFF2-40B4-BE49-F238E27FC236}">
+                <a16:creationId xmlns:a16="http://schemas.microsoft.com/office/drawing/2014/main" id="{555284CF-EE47-4537-9B11-D0C0C24380D4}"/>
+              </a:ext>
+            </a:extLst>
+          </p:cNvPr>
+          <p:cNvSpPr txBox="1"/>
+          <p:nvPr/>
+        </p:nvSpPr>
+        <p:spPr>
+          <a:xfrm>
+            <a:off x="6707473" y="4297006"/>
+            <a:ext cx="332142" cy="369332"/>
+          </a:xfrm>
+          <a:prstGeom prst="rect">
+            <a:avLst/>
+          </a:prstGeom>
+          <a:noFill/>
+        </p:spPr>
+        <p:txBody>
+          <a:bodyPr wrap="none" rtlCol="0">
+            <a:spAutoFit/>
+          </a:bodyPr>
+          <a:lstStyle/>
+          <a:p>
+            <a:r>
+              <a:rPr lang="en-US" b="1" dirty="0">
+                <a:solidFill>
+                  <a:schemeClr val="bg1"/>
+                </a:solidFill>
+              </a:rPr>
+              <a:t>G</a:t>
+            </a:r>
+          </a:p>
+        </p:txBody>
+      </p:sp>
+      <p:cxnSp>
+        <p:nvCxnSpPr>
+          <p:cNvPr id="66" name="Straight Connector 65">
+            <a:extLst>
+              <a:ext uri="{FF2B5EF4-FFF2-40B4-BE49-F238E27FC236}">
+                <a16:creationId xmlns:a16="http://schemas.microsoft.com/office/drawing/2014/main" id="{FB6914E7-A620-4174-A674-7C2608A6E1CF}"/>
+              </a:ext>
+            </a:extLst>
+          </p:cNvPr>
+          <p:cNvCxnSpPr>
+            <a:cxnSpLocks/>
+          </p:cNvCxnSpPr>
+          <p:nvPr/>
+        </p:nvCxnSpPr>
+        <p:spPr>
+          <a:xfrm flipH="1" flipV="1">
+            <a:off x="5571628" y="3441637"/>
+            <a:ext cx="0" cy="1723915"/>
+          </a:xfrm>
+          <a:prstGeom prst="line">
+            <a:avLst/>
+          </a:prstGeom>
+        </p:spPr>
+        <p:style>
+          <a:lnRef idx="1">
+            <a:schemeClr val="accent1"/>
+          </a:lnRef>
+          <a:fillRef idx="0">
+            <a:schemeClr val="accent1"/>
+          </a:fillRef>
+          <a:effectRef idx="0">
+            <a:schemeClr val="accent1"/>
+          </a:effectRef>
+          <a:fontRef idx="minor">
+            <a:schemeClr val="tx1"/>
+          </a:fontRef>
+        </p:style>
+      </p:cxnSp>
+      <p:cxnSp>
+        <p:nvCxnSpPr>
+          <p:cNvPr id="68" name="Straight Connector 67">
+            <a:extLst>
+              <a:ext uri="{FF2B5EF4-FFF2-40B4-BE49-F238E27FC236}">
+                <a16:creationId xmlns:a16="http://schemas.microsoft.com/office/drawing/2014/main" id="{13718285-5370-4B2E-9A33-492A8E9B7FB5}"/>
+              </a:ext>
+            </a:extLst>
+          </p:cNvPr>
+          <p:cNvCxnSpPr>
+            <a:cxnSpLocks/>
+          </p:cNvCxnSpPr>
+          <p:nvPr/>
+        </p:nvCxnSpPr>
+        <p:spPr>
+          <a:xfrm>
+            <a:off x="5585380" y="3691321"/>
+            <a:ext cx="2088040" cy="0"/>
+          </a:xfrm>
+          <a:prstGeom prst="line">
+            <a:avLst/>
+          </a:prstGeom>
+        </p:spPr>
+        <p:style>
+          <a:lnRef idx="1">
+            <a:schemeClr val="accent1"/>
+          </a:lnRef>
+          <a:fillRef idx="0">
+            <a:schemeClr val="accent1"/>
+          </a:fillRef>
+          <a:effectRef idx="0">
+            <a:schemeClr val="accent1"/>
+          </a:effectRef>
+          <a:fontRef idx="minor">
+            <a:schemeClr val="tx1"/>
+          </a:fontRef>
+        </p:style>
+      </p:cxnSp>
+      <p:cxnSp>
+        <p:nvCxnSpPr>
+          <p:cNvPr id="69" name="Straight Connector 68">
+            <a:extLst>
+              <a:ext uri="{FF2B5EF4-FFF2-40B4-BE49-F238E27FC236}">
+                <a16:creationId xmlns:a16="http://schemas.microsoft.com/office/drawing/2014/main" id="{A227B1EA-8D0F-4B59-8807-1503537FFB64}"/>
+              </a:ext>
+            </a:extLst>
+          </p:cNvPr>
+          <p:cNvCxnSpPr>
+            <a:cxnSpLocks/>
+          </p:cNvCxnSpPr>
+          <p:nvPr/>
+        </p:nvCxnSpPr>
+        <p:spPr>
+          <a:xfrm flipV="1">
+            <a:off x="6781354" y="4620594"/>
+            <a:ext cx="2170179" cy="0"/>
+          </a:xfrm>
+          <a:prstGeom prst="line">
+            <a:avLst/>
+          </a:prstGeom>
+        </p:spPr>
+        <p:style>
+          <a:lnRef idx="1">
+            <a:schemeClr val="accent1"/>
+          </a:lnRef>
+          <a:fillRef idx="0">
+            <a:schemeClr val="accent1"/>
+          </a:fillRef>
+          <a:effectRef idx="0">
+            <a:schemeClr val="accent1"/>
+          </a:effectRef>
+          <a:fontRef idx="minor">
+            <a:schemeClr val="tx1"/>
+          </a:fontRef>
+        </p:style>
+      </p:cxnSp>
+      <p:cxnSp>
+        <p:nvCxnSpPr>
+          <p:cNvPr id="71" name="Straight Connector 70">
+            <a:extLst>
+              <a:ext uri="{FF2B5EF4-FFF2-40B4-BE49-F238E27FC236}">
+                <a16:creationId xmlns:a16="http://schemas.microsoft.com/office/drawing/2014/main" id="{3AC3FE9D-2A44-4650-8C8E-4C42BB9BE132}"/>
+              </a:ext>
+            </a:extLst>
+          </p:cNvPr>
+          <p:cNvCxnSpPr>
+            <a:cxnSpLocks/>
+          </p:cNvCxnSpPr>
+          <p:nvPr/>
+        </p:nvCxnSpPr>
+        <p:spPr>
+          <a:xfrm>
+            <a:off x="8716785" y="4620594"/>
+            <a:ext cx="0" cy="544958"/>
+          </a:xfrm>
+          <a:prstGeom prst="line">
+            <a:avLst/>
+          </a:prstGeom>
+        </p:spPr>
+        <p:style>
+          <a:lnRef idx="1">
+            <a:schemeClr val="accent1"/>
+          </a:lnRef>
+          <a:fillRef idx="0">
+            <a:schemeClr val="accent1"/>
+          </a:fillRef>
+          <a:effectRef idx="0">
+            <a:schemeClr val="accent1"/>
+          </a:effectRef>
+          <a:fontRef idx="minor">
+            <a:schemeClr val="tx1"/>
+          </a:fontRef>
+        </p:style>
+      </p:cxnSp>
+      <p:sp>
+        <p:nvSpPr>
+          <p:cNvPr id="72" name="TextBox 71">
+            <a:extLst>
+              <a:ext uri="{FF2B5EF4-FFF2-40B4-BE49-F238E27FC236}">
+                <a16:creationId xmlns:a16="http://schemas.microsoft.com/office/drawing/2014/main" id="{AC2FAA45-F4AA-4313-B55D-84DF9D84236F}"/>
+              </a:ext>
+            </a:extLst>
+          </p:cNvPr>
+          <p:cNvSpPr txBox="1"/>
+          <p:nvPr/>
+        </p:nvSpPr>
+        <p:spPr>
+          <a:xfrm>
+            <a:off x="5885984" y="3536887"/>
+            <a:ext cx="502061" cy="369332"/>
+          </a:xfrm>
+          <a:prstGeom prst="rect">
+            <a:avLst/>
+          </a:prstGeom>
+          <a:solidFill>
+            <a:schemeClr val="bg1"/>
+          </a:solidFill>
+        </p:spPr>
+        <p:txBody>
+          <a:bodyPr wrap="none" rtlCol="0">
+            <a:spAutoFit/>
+          </a:bodyPr>
+          <a:lstStyle/>
+          <a:p>
+            <a:r>
+              <a:rPr lang="en-US" dirty="0">
+                <a:solidFill>
+                  <a:schemeClr val="accent1"/>
+                </a:solidFill>
+              </a:rPr>
+              <a:t>5 ft</a:t>
+            </a:r>
+          </a:p>
+        </p:txBody>
+      </p:sp>
+      <p:sp>
+        <p:nvSpPr>
+          <p:cNvPr id="73" name="TextBox 72">
+            <a:extLst>
+              <a:ext uri="{FF2B5EF4-FFF2-40B4-BE49-F238E27FC236}">
+                <a16:creationId xmlns:a16="http://schemas.microsoft.com/office/drawing/2014/main" id="{848D1FCE-141B-4065-8849-A9E16AD1056B}"/>
+              </a:ext>
+            </a:extLst>
+          </p:cNvPr>
+          <p:cNvSpPr txBox="1"/>
+          <p:nvPr/>
+        </p:nvSpPr>
+        <p:spPr>
+          <a:xfrm>
+            <a:off x="6954662" y="3546804"/>
+            <a:ext cx="502061" cy="369332"/>
+          </a:xfrm>
+          <a:prstGeom prst="rect">
+            <a:avLst/>
+          </a:prstGeom>
+          <a:solidFill>
+            <a:schemeClr val="bg1"/>
+          </a:solidFill>
+        </p:spPr>
+        <p:txBody>
+          <a:bodyPr wrap="none" rtlCol="0">
+            <a:spAutoFit/>
+          </a:bodyPr>
+          <a:lstStyle/>
+          <a:p>
+            <a:r>
+              <a:rPr lang="en-US" dirty="0">
+                <a:solidFill>
+                  <a:schemeClr val="accent1"/>
+                </a:solidFill>
+              </a:rPr>
+              <a:t>4 ft</a:t>
+            </a:r>
+          </a:p>
+        </p:txBody>
+      </p:sp>
+      <p:sp>
+        <p:nvSpPr>
+          <p:cNvPr id="74" name="TextBox 73">
+            <a:extLst>
+              <a:ext uri="{FF2B5EF4-FFF2-40B4-BE49-F238E27FC236}">
+                <a16:creationId xmlns:a16="http://schemas.microsoft.com/office/drawing/2014/main" id="{33DB267A-D49E-4A66-8D63-C4F1DD5DBFC9}"/>
+              </a:ext>
+            </a:extLst>
+          </p:cNvPr>
+          <p:cNvSpPr txBox="1"/>
+          <p:nvPr/>
+        </p:nvSpPr>
+        <p:spPr>
+          <a:xfrm>
+            <a:off x="8456889" y="4687762"/>
+            <a:ext cx="676788" cy="369332"/>
+          </a:xfrm>
+          <a:prstGeom prst="rect">
+            <a:avLst/>
+          </a:prstGeom>
+          <a:solidFill>
+            <a:schemeClr val="bg1"/>
+          </a:solidFill>
+        </p:spPr>
+        <p:txBody>
+          <a:bodyPr wrap="none" rtlCol="0">
+            <a:spAutoFit/>
+          </a:bodyPr>
+          <a:lstStyle/>
+          <a:p>
+            <a:r>
+              <a:rPr lang="en-US" dirty="0">
+                <a:solidFill>
+                  <a:schemeClr val="accent1"/>
+                </a:solidFill>
+              </a:rPr>
+              <a:t>2.5 ft</a:t>
+            </a:r>
+          </a:p>
+        </p:txBody>
+      </p:sp>
+      <p:cxnSp>
+        <p:nvCxnSpPr>
+          <p:cNvPr id="75" name="Straight Arrow Connector 74">
+            <a:extLst>
+              <a:ext uri="{FF2B5EF4-FFF2-40B4-BE49-F238E27FC236}">
+                <a16:creationId xmlns:a16="http://schemas.microsoft.com/office/drawing/2014/main" id="{5C96FAB8-7F8E-47CA-8B8C-C7F13C523AE0}"/>
+              </a:ext>
+            </a:extLst>
+          </p:cNvPr>
+          <p:cNvCxnSpPr>
+            <a:cxnSpLocks/>
+          </p:cNvCxnSpPr>
+          <p:nvPr/>
+        </p:nvCxnSpPr>
+        <p:spPr>
+          <a:xfrm>
+            <a:off x="6718440" y="4674053"/>
+            <a:ext cx="0" cy="906423"/>
+          </a:xfrm>
+          <a:prstGeom prst="straightConnector1">
+            <a:avLst/>
+          </a:prstGeom>
+          <a:ln>
+            <a:solidFill>
+              <a:srgbClr val="FF0000"/>
+            </a:solidFill>
+            <a:tailEnd type="arrow"/>
+          </a:ln>
+        </p:spPr>
+        <p:style>
+          <a:lnRef idx="3">
+            <a:schemeClr val="accent2"/>
+          </a:lnRef>
+          <a:fillRef idx="0">
+            <a:schemeClr val="accent2"/>
+          </a:fillRef>
+          <a:effectRef idx="2">
+            <a:schemeClr val="accent2"/>
+          </a:effectRef>
+          <a:fontRef idx="minor">
+            <a:schemeClr val="tx1"/>
+          </a:fontRef>
+        </p:style>
+      </p:cxnSp>
+      <p:sp>
+        <p:nvSpPr>
+          <p:cNvPr id="76" name="TextBox 75">
+            <a:extLst>
+              <a:ext uri="{FF2B5EF4-FFF2-40B4-BE49-F238E27FC236}">
+                <a16:creationId xmlns:a16="http://schemas.microsoft.com/office/drawing/2014/main" id="{5369561A-F457-4D2F-9A77-2D7403F5A4D8}"/>
+              </a:ext>
+            </a:extLst>
+          </p:cNvPr>
+          <p:cNvSpPr txBox="1"/>
+          <p:nvPr/>
+        </p:nvSpPr>
+        <p:spPr>
+          <a:xfrm>
+            <a:off x="6247887" y="5610259"/>
+            <a:ext cx="975395" cy="369332"/>
+          </a:xfrm>
+          <a:prstGeom prst="rect">
+            <a:avLst/>
+          </a:prstGeom>
+          <a:noFill/>
+        </p:spPr>
+        <p:txBody>
+          <a:bodyPr wrap="none" rtlCol="0">
+            <a:spAutoFit/>
+          </a:bodyPr>
+          <a:lstStyle/>
+          <a:p>
+            <a:r>
+              <a:rPr lang="en-US" b="1" dirty="0">
+                <a:solidFill>
+                  <a:srgbClr val="FF0000"/>
+                </a:solidFill>
+              </a:rPr>
+              <a:t>1400 lbs</a:t>
+            </a:r>
+          </a:p>
+        </p:txBody>
+      </p:sp>
+      <p:cxnSp>
+        <p:nvCxnSpPr>
+          <p:cNvPr id="77" name="Straight Connector 76">
+            <a:extLst>
+              <a:ext uri="{FF2B5EF4-FFF2-40B4-BE49-F238E27FC236}">
+                <a16:creationId xmlns:a16="http://schemas.microsoft.com/office/drawing/2014/main" id="{BA0FCED9-4E6E-4CF8-9534-4D12D65152D6}"/>
+              </a:ext>
+            </a:extLst>
+          </p:cNvPr>
+          <p:cNvCxnSpPr>
+            <a:cxnSpLocks/>
+          </p:cNvCxnSpPr>
+          <p:nvPr/>
+        </p:nvCxnSpPr>
+        <p:spPr>
+          <a:xfrm flipH="1" flipV="1">
+            <a:off x="7697610" y="3422697"/>
+            <a:ext cx="0" cy="1723915"/>
+          </a:xfrm>
+          <a:prstGeom prst="line">
+            <a:avLst/>
+          </a:prstGeom>
+        </p:spPr>
+        <p:style>
+          <a:lnRef idx="1">
+            <a:schemeClr val="accent1"/>
+          </a:lnRef>
+          <a:fillRef idx="0">
+            <a:schemeClr val="accent1"/>
+          </a:fillRef>
+          <a:effectRef idx="0">
+            <a:schemeClr val="accent1"/>
+          </a:effectRef>
+          <a:fontRef idx="minor">
+            <a:schemeClr val="tx1"/>
+          </a:fontRef>
+        </p:style>
+      </p:cxnSp>
+      <p:cxnSp>
+        <p:nvCxnSpPr>
+          <p:cNvPr id="78" name="Straight Connector 77">
+            <a:extLst>
+              <a:ext uri="{FF2B5EF4-FFF2-40B4-BE49-F238E27FC236}">
+                <a16:creationId xmlns:a16="http://schemas.microsoft.com/office/drawing/2014/main" id="{8AABF5F8-004A-4215-815D-AD8B2035F282}"/>
+              </a:ext>
+            </a:extLst>
+          </p:cNvPr>
+          <p:cNvCxnSpPr>
+            <a:cxnSpLocks/>
+          </p:cNvCxnSpPr>
+          <p:nvPr/>
+        </p:nvCxnSpPr>
+        <p:spPr>
+          <a:xfrm flipV="1">
+            <a:off x="6708915" y="3441637"/>
+            <a:ext cx="9525" cy="1100774"/>
+          </a:xfrm>
+          <a:prstGeom prst="line">
+            <a:avLst/>
+          </a:prstGeom>
+        </p:spPr>
+        <p:style>
+          <a:lnRef idx="1">
+            <a:schemeClr val="accent1"/>
+          </a:lnRef>
+          <a:fillRef idx="0">
+            <a:schemeClr val="accent1"/>
+          </a:fillRef>
+          <a:effectRef idx="0">
+            <a:schemeClr val="accent1"/>
+          </a:effectRef>
+          <a:fontRef idx="minor">
+            <a:schemeClr val="tx1"/>
+          </a:fontRef>
+        </p:style>
+      </p:cxnSp>
+      <p:sp>
+        <p:nvSpPr>
+          <p:cNvPr id="79" name="TextBox 78">
+            <a:extLst>
+              <a:ext uri="{FF2B5EF4-FFF2-40B4-BE49-F238E27FC236}">
+                <a16:creationId xmlns:a16="http://schemas.microsoft.com/office/drawing/2014/main" id="{D3212A23-5E43-4512-B03C-52A290AEC846}"/>
+              </a:ext>
+            </a:extLst>
+          </p:cNvPr>
+          <p:cNvSpPr txBox="1"/>
+          <p:nvPr/>
+        </p:nvSpPr>
+        <p:spPr>
+          <a:xfrm>
+            <a:off x="5155894" y="5747667"/>
+            <a:ext cx="858377" cy="369332"/>
+          </a:xfrm>
+          <a:prstGeom prst="rect">
+            <a:avLst/>
+          </a:prstGeom>
+          <a:noFill/>
+        </p:spPr>
+        <p:txBody>
+          <a:bodyPr wrap="none" rtlCol="0">
+            <a:spAutoFit/>
+          </a:bodyPr>
+          <a:lstStyle/>
+          <a:p>
+            <a:r>
+              <a:rPr lang="en-US" b="1" dirty="0">
+                <a:solidFill>
+                  <a:srgbClr val="FF0000"/>
+                </a:solidFill>
+              </a:rPr>
+              <a:t>600 lbs</a:t>
+            </a:r>
+          </a:p>
+        </p:txBody>
+      </p:sp>
+      <p:sp>
+        <p:nvSpPr>
+          <p:cNvPr id="80" name="TextBox 79">
+            <a:extLst>
+              <a:ext uri="{FF2B5EF4-FFF2-40B4-BE49-F238E27FC236}">
+                <a16:creationId xmlns:a16="http://schemas.microsoft.com/office/drawing/2014/main" id="{E3DB1404-24B0-4C3B-86FF-70493DB0B826}"/>
+              </a:ext>
+            </a:extLst>
+          </p:cNvPr>
+          <p:cNvSpPr txBox="1"/>
+          <p:nvPr/>
+        </p:nvSpPr>
+        <p:spPr>
+          <a:xfrm>
+            <a:off x="7262377" y="5955412"/>
+            <a:ext cx="858377" cy="369332"/>
+          </a:xfrm>
+          <a:prstGeom prst="rect">
+            <a:avLst/>
+          </a:prstGeom>
+          <a:noFill/>
+        </p:spPr>
+        <p:txBody>
+          <a:bodyPr wrap="none" rtlCol="0">
+            <a:spAutoFit/>
+          </a:bodyPr>
+          <a:lstStyle/>
+          <a:p>
+            <a:r>
+              <a:rPr lang="en-US" b="1" dirty="0">
+                <a:solidFill>
+                  <a:srgbClr val="FF0000"/>
+                </a:solidFill>
+              </a:rPr>
+              <a:t>800 lbs</a:t>
+            </a:r>
+          </a:p>
+        </p:txBody>
+      </p:sp>
+      <p:cxnSp>
+        <p:nvCxnSpPr>
+          <p:cNvPr id="81" name="Straight Connector 80">
+            <a:extLst>
+              <a:ext uri="{FF2B5EF4-FFF2-40B4-BE49-F238E27FC236}">
+                <a16:creationId xmlns:a16="http://schemas.microsoft.com/office/drawing/2014/main" id="{98279484-25B4-4A3E-B469-0ABD3AABD84A}"/>
+              </a:ext>
+            </a:extLst>
+          </p:cNvPr>
+          <p:cNvCxnSpPr>
+            <a:cxnSpLocks/>
+          </p:cNvCxnSpPr>
+          <p:nvPr/>
+        </p:nvCxnSpPr>
+        <p:spPr>
+          <a:xfrm flipV="1">
+            <a:off x="7673420" y="5182608"/>
+            <a:ext cx="1278113" cy="10362"/>
+          </a:xfrm>
+          <a:prstGeom prst="line">
+            <a:avLst/>
+          </a:prstGeom>
+        </p:spPr>
+        <p:style>
+          <a:lnRef idx="1">
+            <a:schemeClr val="accent1"/>
+          </a:lnRef>
+          <a:fillRef idx="0">
+            <a:schemeClr val="accent1"/>
+          </a:fillRef>
+          <a:effectRef idx="0">
+            <a:schemeClr val="accent1"/>
+          </a:effectRef>
+          <a:fontRef idx="minor">
+            <a:schemeClr val="tx1"/>
+          </a:fontRef>
+        </p:style>
+      </p:cxnSp>
     </p:spTree>
     <p:extLst>
       <p:ext uri="{BB962C8B-B14F-4D97-AF65-F5344CB8AC3E}">
-        <p14:creationId xmlns:p14="http://schemas.microsoft.com/office/powerpoint/2010/main" val="3128609627"/>
+        <p14:creationId xmlns:p14="http://schemas.microsoft.com/office/powerpoint/2010/main" val="1760582610"/>
+      </p:ext>
+    </p:extLst>
+  </p:cSld>
+  <p:clrMapOvr>
+    <a:masterClrMapping/>
+  </p:clrMapOvr>
+</p:sld>
+</file>
+
+<file path=ppt/slides/slide9.xml><?xml version="1.0" encoding="utf-8"?>
+<p:sld xmlns:a="http://schemas.openxmlformats.org/drawingml/2006/main" xmlns:r="http://schemas.openxmlformats.org/officeDocument/2006/relationships" xmlns:p="http://schemas.openxmlformats.org/presentationml/2006/main">
+  <p:cSld>
+    <p:spTree>
+      <p:nvGrpSpPr>
+        <p:cNvPr id="1" name=""/>
+        <p:cNvGrpSpPr/>
+        <p:nvPr/>
+      </p:nvGrpSpPr>
+      <p:grpSpPr>
+        <a:xfrm>
+          <a:off x="0" y="0"/>
+          <a:ext cx="0" cy="0"/>
+          <a:chOff x="0" y="0"/>
+          <a:chExt cx="0" cy="0"/>
+        </a:xfrm>
+      </p:grpSpPr>
+      <p:sp>
+        <p:nvSpPr>
+          <p:cNvPr id="2" name="Title 1">
+            <a:extLst>
+              <a:ext uri="{FF2B5EF4-FFF2-40B4-BE49-F238E27FC236}">
+                <a16:creationId xmlns:a16="http://schemas.microsoft.com/office/drawing/2014/main" id="{6E14F286-C993-469D-B3DA-C304AA4C7B1A}"/>
+              </a:ext>
+            </a:extLst>
+          </p:cNvPr>
+          <p:cNvSpPr>
+            <a:spLocks noGrp="1"/>
+          </p:cNvSpPr>
+          <p:nvPr>
+            <p:ph type="title"/>
+          </p:nvPr>
+        </p:nvSpPr>
+        <p:spPr/>
+        <p:txBody>
+          <a:bodyPr>
+            <a:normAutofit fontScale="90000"/>
+          </a:bodyPr>
+          <a:lstStyle/>
+          <a:p>
+            <a:r>
+              <a:rPr lang="en-US" dirty="0"/>
+              <a:t>Statically Equivalent Systems Worked Example</a:t>
+            </a:r>
+          </a:p>
+        </p:txBody>
+      </p:sp>
+      <p:sp>
+        <p:nvSpPr>
+          <p:cNvPr id="3" name="Content Placeholder 2">
+            <a:extLst>
+              <a:ext uri="{FF2B5EF4-FFF2-40B4-BE49-F238E27FC236}">
+                <a16:creationId xmlns:a16="http://schemas.microsoft.com/office/drawing/2014/main" id="{02662CB0-4B0B-47C5-82B0-B4C62E0BC140}"/>
+              </a:ext>
+            </a:extLst>
+          </p:cNvPr>
+          <p:cNvSpPr>
+            <a:spLocks noGrp="1"/>
+          </p:cNvSpPr>
+          <p:nvPr>
+            <p:ph idx="1"/>
+          </p:nvPr>
+        </p:nvSpPr>
+        <p:spPr>
+          <a:xfrm>
+            <a:off x="457200" y="1600201"/>
+            <a:ext cx="8229600" cy="1295399"/>
+          </a:xfrm>
+        </p:spPr>
+        <p:txBody>
+          <a:bodyPr>
+            <a:normAutofit fontScale="85000" lnSpcReduction="10000"/>
+          </a:bodyPr>
+          <a:lstStyle/>
+          <a:p>
+            <a:r>
+              <a:rPr lang="en-US" dirty="0"/>
+              <a:t>A valve handle as shown below is subjected to two sets of forces and moments. Determine if the two sets of forces and moments are statically equivalent</a:t>
+            </a:r>
+          </a:p>
+        </p:txBody>
+      </p:sp>
+      <p:sp>
+        <p:nvSpPr>
+          <p:cNvPr id="4" name="Slide Number Placeholder 3">
+            <a:extLst>
+              <a:ext uri="{FF2B5EF4-FFF2-40B4-BE49-F238E27FC236}">
+                <a16:creationId xmlns:a16="http://schemas.microsoft.com/office/drawing/2014/main" id="{8A6AF5E6-677C-4791-BF0E-7186C5BED95C}"/>
+              </a:ext>
+            </a:extLst>
+          </p:cNvPr>
+          <p:cNvSpPr>
+            <a:spLocks noGrp="1"/>
+          </p:cNvSpPr>
+          <p:nvPr>
+            <p:ph type="sldNum" sz="quarter" idx="12"/>
+          </p:nvPr>
+        </p:nvSpPr>
+        <p:spPr/>
+        <p:txBody>
+          <a:bodyPr/>
+          <a:lstStyle/>
+          <a:p>
+            <a:fld id="{929262FE-7F58-4A1E-8AF3-5A510A86DEBD}" type="slidenum">
+              <a:rPr lang="en-US" smtClean="0"/>
+              <a:t>9</a:t>
+            </a:fld>
+            <a:endParaRPr lang="en-US"/>
+          </a:p>
+        </p:txBody>
+      </p:sp>
+      <p:grpSp>
+        <p:nvGrpSpPr>
+          <p:cNvPr id="8" name="Group 7">
+            <a:extLst>
+              <a:ext uri="{FF2B5EF4-FFF2-40B4-BE49-F238E27FC236}">
+                <a16:creationId xmlns:a16="http://schemas.microsoft.com/office/drawing/2014/main" id="{78A78C90-EE08-4978-93F5-E1069BA8A02B}"/>
+              </a:ext>
+            </a:extLst>
+          </p:cNvPr>
+          <p:cNvGrpSpPr/>
+          <p:nvPr/>
+        </p:nvGrpSpPr>
+        <p:grpSpPr>
+          <a:xfrm>
+            <a:off x="1066800" y="3429000"/>
+            <a:ext cx="2743200" cy="2743200"/>
+            <a:chOff x="933450" y="3433762"/>
+            <a:chExt cx="2743200" cy="2743200"/>
+          </a:xfrm>
+        </p:grpSpPr>
+        <p:sp>
+          <p:nvSpPr>
+            <p:cNvPr id="5" name="Circle: Hollow 4">
+              <a:extLst>
+                <a:ext uri="{FF2B5EF4-FFF2-40B4-BE49-F238E27FC236}">
+                  <a16:creationId xmlns:a16="http://schemas.microsoft.com/office/drawing/2014/main" id="{59CFCD19-6078-42A1-BEB1-59E201198573}"/>
+                </a:ext>
+              </a:extLst>
+            </p:cNvPr>
+            <p:cNvSpPr/>
+            <p:nvPr/>
+          </p:nvSpPr>
+          <p:spPr>
+            <a:xfrm>
+              <a:off x="933450" y="3433762"/>
+              <a:ext cx="2743200" cy="2743200"/>
+            </a:xfrm>
+            <a:prstGeom prst="donut">
+              <a:avLst>
+                <a:gd name="adj" fmla="val 9086"/>
+              </a:avLst>
+            </a:prstGeom>
+          </p:spPr>
+          <p:style>
+            <a:lnRef idx="2">
+              <a:schemeClr val="dk1">
+                <a:shade val="50000"/>
+              </a:schemeClr>
+            </a:lnRef>
+            <a:fillRef idx="1">
+              <a:schemeClr val="dk1"/>
+            </a:fillRef>
+            <a:effectRef idx="0">
+              <a:schemeClr val="dk1"/>
+            </a:effectRef>
+            <a:fontRef idx="minor">
+              <a:schemeClr val="lt1"/>
+            </a:fontRef>
+          </p:style>
+          <p:txBody>
+            <a:bodyPr rtlCol="0" anchor="ctr"/>
+            <a:lstStyle/>
+            <a:p>
+              <a:pPr algn="ctr"/>
+              <a:endParaRPr lang="en-US">
+                <a:solidFill>
+                  <a:schemeClr val="tx1"/>
+                </a:solidFill>
+              </a:endParaRPr>
+            </a:p>
+          </p:txBody>
+        </p:sp>
+        <p:sp>
+          <p:nvSpPr>
+            <p:cNvPr id="7" name="Star: 6 Points 6">
+              <a:extLst>
+                <a:ext uri="{FF2B5EF4-FFF2-40B4-BE49-F238E27FC236}">
+                  <a16:creationId xmlns:a16="http://schemas.microsoft.com/office/drawing/2014/main" id="{11AFDE4D-7577-455A-BEF7-6EA6A92B14E1}"/>
+                </a:ext>
+              </a:extLst>
+            </p:cNvPr>
+            <p:cNvSpPr/>
+            <p:nvPr/>
+          </p:nvSpPr>
+          <p:spPr>
+            <a:xfrm>
+              <a:off x="1207770" y="3662362"/>
+              <a:ext cx="2194560" cy="2286000"/>
+            </a:xfrm>
+            <a:prstGeom prst="star6">
+              <a:avLst>
+                <a:gd name="adj" fmla="val 0"/>
+                <a:gd name="hf" fmla="val 115470"/>
+              </a:avLst>
+            </a:prstGeom>
+            <a:ln w="190500"/>
+          </p:spPr>
+          <p:style>
+            <a:lnRef idx="2">
+              <a:schemeClr val="dk1">
+                <a:shade val="50000"/>
+              </a:schemeClr>
+            </a:lnRef>
+            <a:fillRef idx="1">
+              <a:schemeClr val="dk1"/>
+            </a:fillRef>
+            <a:effectRef idx="0">
+              <a:schemeClr val="dk1"/>
+            </a:effectRef>
+            <a:fontRef idx="minor">
+              <a:schemeClr val="lt1"/>
+            </a:fontRef>
+          </p:style>
+          <p:txBody>
+            <a:bodyPr rtlCol="0" anchor="ctr"/>
+            <a:lstStyle/>
+            <a:p>
+              <a:pPr algn="ctr"/>
+              <a:endParaRPr lang="en-US"/>
+            </a:p>
+          </p:txBody>
+        </p:sp>
+      </p:grpSp>
+      <p:cxnSp>
+        <p:nvCxnSpPr>
+          <p:cNvPr id="12" name="Straight Arrow Connector 11">
+            <a:extLst>
+              <a:ext uri="{FF2B5EF4-FFF2-40B4-BE49-F238E27FC236}">
+                <a16:creationId xmlns:a16="http://schemas.microsoft.com/office/drawing/2014/main" id="{50756AF3-02A8-4067-B58C-9ABB4ECA23AC}"/>
+              </a:ext>
+            </a:extLst>
+          </p:cNvPr>
+          <p:cNvCxnSpPr>
+            <a:cxnSpLocks/>
+          </p:cNvCxnSpPr>
+          <p:nvPr/>
+        </p:nvCxnSpPr>
+        <p:spPr>
+          <a:xfrm flipH="1" flipV="1">
+            <a:off x="2400300" y="6200774"/>
+            <a:ext cx="805815" cy="1"/>
+          </a:xfrm>
+          <a:prstGeom prst="straightConnector1">
+            <a:avLst/>
+          </a:prstGeom>
+          <a:ln>
+            <a:solidFill>
+              <a:srgbClr val="FF0000"/>
+            </a:solidFill>
+            <a:tailEnd type="arrow"/>
+          </a:ln>
+        </p:spPr>
+        <p:style>
+          <a:lnRef idx="3">
+            <a:schemeClr val="accent2"/>
+          </a:lnRef>
+          <a:fillRef idx="0">
+            <a:schemeClr val="accent2"/>
+          </a:fillRef>
+          <a:effectRef idx="2">
+            <a:schemeClr val="accent2"/>
+          </a:effectRef>
+          <a:fontRef idx="minor">
+            <a:schemeClr val="tx1"/>
+          </a:fontRef>
+        </p:style>
+      </p:cxnSp>
+      <p:cxnSp>
+        <p:nvCxnSpPr>
+          <p:cNvPr id="13" name="Straight Connector 12">
+            <a:extLst>
+              <a:ext uri="{FF2B5EF4-FFF2-40B4-BE49-F238E27FC236}">
+                <a16:creationId xmlns:a16="http://schemas.microsoft.com/office/drawing/2014/main" id="{C8A57572-06AC-4FE8-BD18-9BB0E0896D7B}"/>
+              </a:ext>
+            </a:extLst>
+          </p:cNvPr>
+          <p:cNvCxnSpPr>
+            <a:cxnSpLocks/>
+          </p:cNvCxnSpPr>
+          <p:nvPr/>
+        </p:nvCxnSpPr>
+        <p:spPr>
+          <a:xfrm>
+            <a:off x="209550" y="3429000"/>
+            <a:ext cx="1695450" cy="0"/>
+          </a:xfrm>
+          <a:prstGeom prst="line">
+            <a:avLst/>
+          </a:prstGeom>
+        </p:spPr>
+        <p:style>
+          <a:lnRef idx="1">
+            <a:schemeClr val="accent1"/>
+          </a:lnRef>
+          <a:fillRef idx="0">
+            <a:schemeClr val="accent1"/>
+          </a:fillRef>
+          <a:effectRef idx="0">
+            <a:schemeClr val="accent1"/>
+          </a:effectRef>
+          <a:fontRef idx="minor">
+            <a:schemeClr val="tx1"/>
+          </a:fontRef>
+        </p:style>
+      </p:cxnSp>
+      <p:sp>
+        <p:nvSpPr>
+          <p:cNvPr id="15" name="TextBox 14">
+            <a:extLst>
+              <a:ext uri="{FF2B5EF4-FFF2-40B4-BE49-F238E27FC236}">
+                <a16:creationId xmlns:a16="http://schemas.microsoft.com/office/drawing/2014/main" id="{4A94C1B0-2B60-447F-910B-F8622DED4C2D}"/>
+              </a:ext>
+            </a:extLst>
+          </p:cNvPr>
+          <p:cNvSpPr txBox="1"/>
+          <p:nvPr/>
+        </p:nvSpPr>
+        <p:spPr>
+          <a:xfrm>
+            <a:off x="3253565" y="6016108"/>
+            <a:ext cx="623889" cy="369332"/>
+          </a:xfrm>
+          <a:prstGeom prst="rect">
+            <a:avLst/>
+          </a:prstGeom>
+          <a:noFill/>
+        </p:spPr>
+        <p:txBody>
+          <a:bodyPr wrap="none" rtlCol="0">
+            <a:spAutoFit/>
+          </a:bodyPr>
+          <a:lstStyle/>
+          <a:p>
+            <a:r>
+              <a:rPr lang="en-US" b="1" dirty="0">
+                <a:solidFill>
+                  <a:srgbClr val="FF0000"/>
+                </a:solidFill>
+              </a:rPr>
+              <a:t>80 N</a:t>
+            </a:r>
+          </a:p>
+        </p:txBody>
+      </p:sp>
+      <p:cxnSp>
+        <p:nvCxnSpPr>
+          <p:cNvPr id="19" name="Straight Connector 18">
+            <a:extLst>
+              <a:ext uri="{FF2B5EF4-FFF2-40B4-BE49-F238E27FC236}">
+                <a16:creationId xmlns:a16="http://schemas.microsoft.com/office/drawing/2014/main" id="{239D4865-6A2D-4928-9FD3-33BF654A268C}"/>
+              </a:ext>
+            </a:extLst>
+          </p:cNvPr>
+          <p:cNvCxnSpPr>
+            <a:cxnSpLocks/>
+          </p:cNvCxnSpPr>
+          <p:nvPr/>
+        </p:nvCxnSpPr>
+        <p:spPr>
+          <a:xfrm>
+            <a:off x="209550" y="6200774"/>
+            <a:ext cx="1695450" cy="0"/>
+          </a:xfrm>
+          <a:prstGeom prst="line">
+            <a:avLst/>
+          </a:prstGeom>
+        </p:spPr>
+        <p:style>
+          <a:lnRef idx="1">
+            <a:schemeClr val="accent1"/>
+          </a:lnRef>
+          <a:fillRef idx="0">
+            <a:schemeClr val="accent1"/>
+          </a:fillRef>
+          <a:effectRef idx="0">
+            <a:schemeClr val="accent1"/>
+          </a:effectRef>
+          <a:fontRef idx="minor">
+            <a:schemeClr val="tx1"/>
+          </a:fontRef>
+        </p:style>
+      </p:cxnSp>
+      <p:cxnSp>
+        <p:nvCxnSpPr>
+          <p:cNvPr id="22" name="Straight Connector 21">
+            <a:extLst>
+              <a:ext uri="{FF2B5EF4-FFF2-40B4-BE49-F238E27FC236}">
+                <a16:creationId xmlns:a16="http://schemas.microsoft.com/office/drawing/2014/main" id="{5E539AEF-815D-4FC2-9E62-9B5ECEC1A46A}"/>
+              </a:ext>
+            </a:extLst>
+          </p:cNvPr>
+          <p:cNvCxnSpPr>
+            <a:cxnSpLocks/>
+          </p:cNvCxnSpPr>
+          <p:nvPr/>
+        </p:nvCxnSpPr>
+        <p:spPr>
+          <a:xfrm>
+            <a:off x="685800" y="3429000"/>
+            <a:ext cx="0" cy="2771774"/>
+          </a:xfrm>
+          <a:prstGeom prst="line">
+            <a:avLst/>
+          </a:prstGeom>
+        </p:spPr>
+        <p:style>
+          <a:lnRef idx="1">
+            <a:schemeClr val="accent1"/>
+          </a:lnRef>
+          <a:fillRef idx="0">
+            <a:schemeClr val="accent1"/>
+          </a:fillRef>
+          <a:effectRef idx="0">
+            <a:schemeClr val="accent1"/>
+          </a:effectRef>
+          <a:fontRef idx="minor">
+            <a:schemeClr val="tx1"/>
+          </a:fontRef>
+        </p:style>
+      </p:cxnSp>
+      <p:sp>
+        <p:nvSpPr>
+          <p:cNvPr id="14" name="TextBox 13">
+            <a:extLst>
+              <a:ext uri="{FF2B5EF4-FFF2-40B4-BE49-F238E27FC236}">
+                <a16:creationId xmlns:a16="http://schemas.microsoft.com/office/drawing/2014/main" id="{B7B6DD15-56A6-4BDC-A3AE-1BB07CBFAE9B}"/>
+              </a:ext>
+            </a:extLst>
+          </p:cNvPr>
+          <p:cNvSpPr txBox="1"/>
+          <p:nvPr/>
+        </p:nvSpPr>
+        <p:spPr>
+          <a:xfrm>
+            <a:off x="314325" y="5458896"/>
+            <a:ext cx="753732" cy="369332"/>
+          </a:xfrm>
+          <a:prstGeom prst="rect">
+            <a:avLst/>
+          </a:prstGeom>
+          <a:solidFill>
+            <a:schemeClr val="bg1"/>
+          </a:solidFill>
+        </p:spPr>
+        <p:txBody>
+          <a:bodyPr wrap="none" rtlCol="0">
+            <a:spAutoFit/>
+          </a:bodyPr>
+          <a:lstStyle/>
+          <a:p>
+            <a:r>
+              <a:rPr lang="en-US" dirty="0">
+                <a:solidFill>
+                  <a:schemeClr val="accent1"/>
+                </a:solidFill>
+              </a:rPr>
+              <a:t>70 cm</a:t>
+            </a:r>
+          </a:p>
+        </p:txBody>
+      </p:sp>
+      <p:cxnSp>
+        <p:nvCxnSpPr>
+          <p:cNvPr id="25" name="Straight Arrow Connector 24">
+            <a:extLst>
+              <a:ext uri="{FF2B5EF4-FFF2-40B4-BE49-F238E27FC236}">
+                <a16:creationId xmlns:a16="http://schemas.microsoft.com/office/drawing/2014/main" id="{EC5CBB81-9283-4435-BA00-A2122C687D79}"/>
+              </a:ext>
+            </a:extLst>
+          </p:cNvPr>
+          <p:cNvCxnSpPr>
+            <a:cxnSpLocks/>
+          </p:cNvCxnSpPr>
+          <p:nvPr/>
+        </p:nvCxnSpPr>
+        <p:spPr>
+          <a:xfrm flipV="1">
+            <a:off x="1594485" y="3414713"/>
+            <a:ext cx="805815" cy="1"/>
+          </a:xfrm>
+          <a:prstGeom prst="straightConnector1">
+            <a:avLst/>
+          </a:prstGeom>
+          <a:ln>
+            <a:solidFill>
+              <a:srgbClr val="FF0000"/>
+            </a:solidFill>
+            <a:tailEnd type="arrow"/>
+          </a:ln>
+        </p:spPr>
+        <p:style>
+          <a:lnRef idx="3">
+            <a:schemeClr val="accent2"/>
+          </a:lnRef>
+          <a:fillRef idx="0">
+            <a:schemeClr val="accent2"/>
+          </a:fillRef>
+          <a:effectRef idx="2">
+            <a:schemeClr val="accent2"/>
+          </a:effectRef>
+          <a:fontRef idx="minor">
+            <a:schemeClr val="tx1"/>
+          </a:fontRef>
+        </p:style>
+      </p:cxnSp>
+      <p:sp>
+        <p:nvSpPr>
+          <p:cNvPr id="26" name="TextBox 25">
+            <a:extLst>
+              <a:ext uri="{FF2B5EF4-FFF2-40B4-BE49-F238E27FC236}">
+                <a16:creationId xmlns:a16="http://schemas.microsoft.com/office/drawing/2014/main" id="{56C6D340-6032-4DA1-B64B-571B68DBBD06}"/>
+              </a:ext>
+            </a:extLst>
+          </p:cNvPr>
+          <p:cNvSpPr txBox="1"/>
+          <p:nvPr/>
+        </p:nvSpPr>
+        <p:spPr>
+          <a:xfrm>
+            <a:off x="1066800" y="2957811"/>
+            <a:ext cx="623889" cy="369332"/>
+          </a:xfrm>
+          <a:prstGeom prst="rect">
+            <a:avLst/>
+          </a:prstGeom>
+          <a:noFill/>
+        </p:spPr>
+        <p:txBody>
+          <a:bodyPr wrap="none" rtlCol="0">
+            <a:spAutoFit/>
+          </a:bodyPr>
+          <a:lstStyle/>
+          <a:p>
+            <a:r>
+              <a:rPr lang="en-US" b="1" dirty="0">
+                <a:solidFill>
+                  <a:srgbClr val="FF0000"/>
+                </a:solidFill>
+              </a:rPr>
+              <a:t>80 N</a:t>
+            </a:r>
+          </a:p>
+        </p:txBody>
+      </p:sp>
+      <p:grpSp>
+        <p:nvGrpSpPr>
+          <p:cNvPr id="28" name="Group 27">
+            <a:extLst>
+              <a:ext uri="{FF2B5EF4-FFF2-40B4-BE49-F238E27FC236}">
+                <a16:creationId xmlns:a16="http://schemas.microsoft.com/office/drawing/2014/main" id="{809CDF4C-2969-47E2-8FB8-143E30DE73A5}"/>
+              </a:ext>
+            </a:extLst>
+          </p:cNvPr>
+          <p:cNvGrpSpPr/>
+          <p:nvPr/>
+        </p:nvGrpSpPr>
+        <p:grpSpPr>
+          <a:xfrm>
+            <a:off x="5571346" y="3425310"/>
+            <a:ext cx="2743200" cy="2743200"/>
+            <a:chOff x="933450" y="3433762"/>
+            <a:chExt cx="2743200" cy="2743200"/>
+          </a:xfrm>
+        </p:grpSpPr>
+        <p:sp>
+          <p:nvSpPr>
+            <p:cNvPr id="29" name="Circle: Hollow 28">
+              <a:extLst>
+                <a:ext uri="{FF2B5EF4-FFF2-40B4-BE49-F238E27FC236}">
+                  <a16:creationId xmlns:a16="http://schemas.microsoft.com/office/drawing/2014/main" id="{3A90422E-F1FB-41E9-97E5-CDEC8CD68601}"/>
+                </a:ext>
+              </a:extLst>
+            </p:cNvPr>
+            <p:cNvSpPr/>
+            <p:nvPr/>
+          </p:nvSpPr>
+          <p:spPr>
+            <a:xfrm>
+              <a:off x="933450" y="3433762"/>
+              <a:ext cx="2743200" cy="2743200"/>
+            </a:xfrm>
+            <a:prstGeom prst="donut">
+              <a:avLst>
+                <a:gd name="adj" fmla="val 9086"/>
+              </a:avLst>
+            </a:prstGeom>
+          </p:spPr>
+          <p:style>
+            <a:lnRef idx="2">
+              <a:schemeClr val="dk1">
+                <a:shade val="50000"/>
+              </a:schemeClr>
+            </a:lnRef>
+            <a:fillRef idx="1">
+              <a:schemeClr val="dk1"/>
+            </a:fillRef>
+            <a:effectRef idx="0">
+              <a:schemeClr val="dk1"/>
+            </a:effectRef>
+            <a:fontRef idx="minor">
+              <a:schemeClr val="lt1"/>
+            </a:fontRef>
+          </p:style>
+          <p:txBody>
+            <a:bodyPr rtlCol="0" anchor="ctr"/>
+            <a:lstStyle/>
+            <a:p>
+              <a:pPr algn="ctr"/>
+              <a:endParaRPr lang="en-US">
+                <a:solidFill>
+                  <a:schemeClr val="tx1"/>
+                </a:solidFill>
+              </a:endParaRPr>
+            </a:p>
+          </p:txBody>
+        </p:sp>
+        <p:sp>
+          <p:nvSpPr>
+            <p:cNvPr id="30" name="Star: 6 Points 29">
+              <a:extLst>
+                <a:ext uri="{FF2B5EF4-FFF2-40B4-BE49-F238E27FC236}">
+                  <a16:creationId xmlns:a16="http://schemas.microsoft.com/office/drawing/2014/main" id="{85B63F1A-5794-4CAA-9571-CAC7BD04E7A8}"/>
+                </a:ext>
+              </a:extLst>
+            </p:cNvPr>
+            <p:cNvSpPr/>
+            <p:nvPr/>
+          </p:nvSpPr>
+          <p:spPr>
+            <a:xfrm>
+              <a:off x="1207770" y="3662362"/>
+              <a:ext cx="2194560" cy="2286000"/>
+            </a:xfrm>
+            <a:prstGeom prst="star6">
+              <a:avLst>
+                <a:gd name="adj" fmla="val 0"/>
+                <a:gd name="hf" fmla="val 115470"/>
+              </a:avLst>
+            </a:prstGeom>
+            <a:ln w="190500"/>
+          </p:spPr>
+          <p:style>
+            <a:lnRef idx="2">
+              <a:schemeClr val="dk1">
+                <a:shade val="50000"/>
+              </a:schemeClr>
+            </a:lnRef>
+            <a:fillRef idx="1">
+              <a:schemeClr val="dk1"/>
+            </a:fillRef>
+            <a:effectRef idx="0">
+              <a:schemeClr val="dk1"/>
+            </a:effectRef>
+            <a:fontRef idx="minor">
+              <a:schemeClr val="lt1"/>
+            </a:fontRef>
+          </p:style>
+          <p:txBody>
+            <a:bodyPr rtlCol="0" anchor="ctr"/>
+            <a:lstStyle/>
+            <a:p>
+              <a:pPr algn="ctr"/>
+              <a:endParaRPr lang="en-US"/>
+            </a:p>
+          </p:txBody>
+        </p:sp>
+      </p:grpSp>
+      <p:cxnSp>
+        <p:nvCxnSpPr>
+          <p:cNvPr id="31" name="Straight Arrow Connector 30">
+            <a:extLst>
+              <a:ext uri="{FF2B5EF4-FFF2-40B4-BE49-F238E27FC236}">
+                <a16:creationId xmlns:a16="http://schemas.microsoft.com/office/drawing/2014/main" id="{7D07F86E-F256-4E86-B821-EB217A8EC0A3}"/>
+              </a:ext>
+            </a:extLst>
+          </p:cNvPr>
+          <p:cNvCxnSpPr>
+            <a:cxnSpLocks/>
+          </p:cNvCxnSpPr>
+          <p:nvPr/>
+        </p:nvCxnSpPr>
+        <p:spPr>
+          <a:xfrm>
+            <a:off x="6261821" y="6200002"/>
+            <a:ext cx="643026" cy="0"/>
+          </a:xfrm>
+          <a:prstGeom prst="straightConnector1">
+            <a:avLst/>
+          </a:prstGeom>
+          <a:ln>
+            <a:solidFill>
+              <a:srgbClr val="FF0000"/>
+            </a:solidFill>
+            <a:tailEnd type="arrow"/>
+          </a:ln>
+        </p:spPr>
+        <p:style>
+          <a:lnRef idx="3">
+            <a:schemeClr val="accent2"/>
+          </a:lnRef>
+          <a:fillRef idx="0">
+            <a:schemeClr val="accent2"/>
+          </a:fillRef>
+          <a:effectRef idx="2">
+            <a:schemeClr val="accent2"/>
+          </a:effectRef>
+          <a:fontRef idx="minor">
+            <a:schemeClr val="tx1"/>
+          </a:fontRef>
+        </p:style>
+      </p:cxnSp>
+      <p:cxnSp>
+        <p:nvCxnSpPr>
+          <p:cNvPr id="32" name="Straight Connector 31">
+            <a:extLst>
+              <a:ext uri="{FF2B5EF4-FFF2-40B4-BE49-F238E27FC236}">
+                <a16:creationId xmlns:a16="http://schemas.microsoft.com/office/drawing/2014/main" id="{63CF9F8A-3781-418B-AEB3-AA57D0F7346C}"/>
+              </a:ext>
+            </a:extLst>
+          </p:cNvPr>
+          <p:cNvCxnSpPr>
+            <a:cxnSpLocks/>
+          </p:cNvCxnSpPr>
+          <p:nvPr/>
+        </p:nvCxnSpPr>
+        <p:spPr>
+          <a:xfrm>
+            <a:off x="4714096" y="3425310"/>
+            <a:ext cx="1695450" cy="0"/>
+          </a:xfrm>
+          <a:prstGeom prst="line">
+            <a:avLst/>
+          </a:prstGeom>
+        </p:spPr>
+        <p:style>
+          <a:lnRef idx="1">
+            <a:schemeClr val="accent1"/>
+          </a:lnRef>
+          <a:fillRef idx="0">
+            <a:schemeClr val="accent1"/>
+          </a:fillRef>
+          <a:effectRef idx="0">
+            <a:schemeClr val="accent1"/>
+          </a:effectRef>
+          <a:fontRef idx="minor">
+            <a:schemeClr val="tx1"/>
+          </a:fontRef>
+        </p:style>
+      </p:cxnSp>
+      <p:sp>
+        <p:nvSpPr>
+          <p:cNvPr id="33" name="TextBox 32">
+            <a:extLst>
+              <a:ext uri="{FF2B5EF4-FFF2-40B4-BE49-F238E27FC236}">
+                <a16:creationId xmlns:a16="http://schemas.microsoft.com/office/drawing/2014/main" id="{22BFCDCA-9EBA-4D9A-AAFA-DD258D2ECA73}"/>
+              </a:ext>
+            </a:extLst>
+          </p:cNvPr>
+          <p:cNvSpPr txBox="1"/>
+          <p:nvPr/>
+        </p:nvSpPr>
+        <p:spPr>
+          <a:xfrm>
+            <a:off x="5867572" y="6212443"/>
+            <a:ext cx="623889" cy="369332"/>
+          </a:xfrm>
+          <a:prstGeom prst="rect">
+            <a:avLst/>
+          </a:prstGeom>
+          <a:noFill/>
+        </p:spPr>
+        <p:txBody>
+          <a:bodyPr wrap="none" rtlCol="0">
+            <a:spAutoFit/>
+          </a:bodyPr>
+          <a:lstStyle/>
+          <a:p>
+            <a:r>
+              <a:rPr lang="en-US" b="1" dirty="0">
+                <a:solidFill>
+                  <a:srgbClr val="FF0000"/>
+                </a:solidFill>
+              </a:rPr>
+              <a:t>60 N</a:t>
+            </a:r>
+          </a:p>
+        </p:txBody>
+      </p:sp>
+      <p:cxnSp>
+        <p:nvCxnSpPr>
+          <p:cNvPr id="34" name="Straight Connector 33">
+            <a:extLst>
+              <a:ext uri="{FF2B5EF4-FFF2-40B4-BE49-F238E27FC236}">
+                <a16:creationId xmlns:a16="http://schemas.microsoft.com/office/drawing/2014/main" id="{B1FA8C85-6A87-495B-B216-4A9E6B6DE04F}"/>
+              </a:ext>
+            </a:extLst>
+          </p:cNvPr>
+          <p:cNvCxnSpPr>
+            <a:cxnSpLocks/>
+          </p:cNvCxnSpPr>
+          <p:nvPr/>
+        </p:nvCxnSpPr>
+        <p:spPr>
+          <a:xfrm>
+            <a:off x="4714096" y="6197084"/>
+            <a:ext cx="1695450" cy="0"/>
+          </a:xfrm>
+          <a:prstGeom prst="line">
+            <a:avLst/>
+          </a:prstGeom>
+        </p:spPr>
+        <p:style>
+          <a:lnRef idx="1">
+            <a:schemeClr val="accent1"/>
+          </a:lnRef>
+          <a:fillRef idx="0">
+            <a:schemeClr val="accent1"/>
+          </a:fillRef>
+          <a:effectRef idx="0">
+            <a:schemeClr val="accent1"/>
+          </a:effectRef>
+          <a:fontRef idx="minor">
+            <a:schemeClr val="tx1"/>
+          </a:fontRef>
+        </p:style>
+      </p:cxnSp>
+      <p:cxnSp>
+        <p:nvCxnSpPr>
+          <p:cNvPr id="35" name="Straight Connector 34">
+            <a:extLst>
+              <a:ext uri="{FF2B5EF4-FFF2-40B4-BE49-F238E27FC236}">
+                <a16:creationId xmlns:a16="http://schemas.microsoft.com/office/drawing/2014/main" id="{FD880E90-9565-4045-A98E-63F52FC34150}"/>
+              </a:ext>
+            </a:extLst>
+          </p:cNvPr>
+          <p:cNvCxnSpPr>
+            <a:cxnSpLocks/>
+          </p:cNvCxnSpPr>
+          <p:nvPr/>
+        </p:nvCxnSpPr>
+        <p:spPr>
+          <a:xfrm>
+            <a:off x="5190346" y="3425310"/>
+            <a:ext cx="0" cy="2771774"/>
+          </a:xfrm>
+          <a:prstGeom prst="line">
+            <a:avLst/>
+          </a:prstGeom>
+        </p:spPr>
+        <p:style>
+          <a:lnRef idx="1">
+            <a:schemeClr val="accent1"/>
+          </a:lnRef>
+          <a:fillRef idx="0">
+            <a:schemeClr val="accent1"/>
+          </a:fillRef>
+          <a:effectRef idx="0">
+            <a:schemeClr val="accent1"/>
+          </a:effectRef>
+          <a:fontRef idx="minor">
+            <a:schemeClr val="tx1"/>
+          </a:fontRef>
+        </p:style>
+      </p:cxnSp>
+      <p:sp>
+        <p:nvSpPr>
+          <p:cNvPr id="36" name="TextBox 35">
+            <a:extLst>
+              <a:ext uri="{FF2B5EF4-FFF2-40B4-BE49-F238E27FC236}">
+                <a16:creationId xmlns:a16="http://schemas.microsoft.com/office/drawing/2014/main" id="{387D0D2E-0EB1-4780-A85A-C273980E9741}"/>
+              </a:ext>
+            </a:extLst>
+          </p:cNvPr>
+          <p:cNvSpPr txBox="1"/>
+          <p:nvPr/>
+        </p:nvSpPr>
+        <p:spPr>
+          <a:xfrm>
+            <a:off x="4808868" y="3733800"/>
+            <a:ext cx="753732" cy="369332"/>
+          </a:xfrm>
+          <a:prstGeom prst="rect">
+            <a:avLst/>
+          </a:prstGeom>
+          <a:solidFill>
+            <a:schemeClr val="bg1"/>
+          </a:solidFill>
+        </p:spPr>
+        <p:txBody>
+          <a:bodyPr wrap="none" rtlCol="0">
+            <a:spAutoFit/>
+          </a:bodyPr>
+          <a:lstStyle/>
+          <a:p>
+            <a:r>
+              <a:rPr lang="en-US" dirty="0">
+                <a:solidFill>
+                  <a:schemeClr val="accent1"/>
+                </a:solidFill>
+              </a:rPr>
+              <a:t>70 cm</a:t>
+            </a:r>
+          </a:p>
+        </p:txBody>
+      </p:sp>
+      <p:cxnSp>
+        <p:nvCxnSpPr>
+          <p:cNvPr id="39" name="Straight Arrow Connector 38">
+            <a:extLst>
+              <a:ext uri="{FF2B5EF4-FFF2-40B4-BE49-F238E27FC236}">
+                <a16:creationId xmlns:a16="http://schemas.microsoft.com/office/drawing/2014/main" id="{C14B8C64-A3EA-42E1-8F9E-626727EFF590}"/>
+              </a:ext>
+            </a:extLst>
+          </p:cNvPr>
+          <p:cNvCxnSpPr>
+            <a:cxnSpLocks/>
+          </p:cNvCxnSpPr>
+          <p:nvPr/>
+        </p:nvCxnSpPr>
+        <p:spPr>
+          <a:xfrm>
+            <a:off x="3819525" y="4191000"/>
+            <a:ext cx="0" cy="609600"/>
+          </a:xfrm>
+          <a:prstGeom prst="straightConnector1">
+            <a:avLst/>
+          </a:prstGeom>
+          <a:ln>
+            <a:solidFill>
+              <a:srgbClr val="FF0000"/>
+            </a:solidFill>
+            <a:tailEnd type="arrow"/>
+          </a:ln>
+        </p:spPr>
+        <p:style>
+          <a:lnRef idx="3">
+            <a:schemeClr val="accent2"/>
+          </a:lnRef>
+          <a:fillRef idx="0">
+            <a:schemeClr val="accent2"/>
+          </a:fillRef>
+          <a:effectRef idx="2">
+            <a:schemeClr val="accent2"/>
+          </a:effectRef>
+          <a:fontRef idx="minor">
+            <a:schemeClr val="tx1"/>
+          </a:fontRef>
+        </p:style>
+      </p:cxnSp>
+      <p:sp>
+        <p:nvSpPr>
+          <p:cNvPr id="40" name="TextBox 39">
+            <a:extLst>
+              <a:ext uri="{FF2B5EF4-FFF2-40B4-BE49-F238E27FC236}">
+                <a16:creationId xmlns:a16="http://schemas.microsoft.com/office/drawing/2014/main" id="{5E6F981B-E1D5-4D17-867C-635B1BC0B38F}"/>
+              </a:ext>
+            </a:extLst>
+          </p:cNvPr>
+          <p:cNvSpPr txBox="1"/>
+          <p:nvPr/>
+        </p:nvSpPr>
+        <p:spPr>
+          <a:xfrm>
+            <a:off x="3554036" y="3793094"/>
+            <a:ext cx="623889" cy="369332"/>
+          </a:xfrm>
+          <a:prstGeom prst="rect">
+            <a:avLst/>
+          </a:prstGeom>
+          <a:noFill/>
+        </p:spPr>
+        <p:txBody>
+          <a:bodyPr wrap="square" rtlCol="0">
+            <a:spAutoFit/>
+          </a:bodyPr>
+          <a:lstStyle/>
+          <a:p>
+            <a:r>
+              <a:rPr lang="en-US" b="1" dirty="0">
+                <a:solidFill>
+                  <a:srgbClr val="FF0000"/>
+                </a:solidFill>
+              </a:rPr>
+              <a:t>30 N</a:t>
+            </a:r>
+          </a:p>
+        </p:txBody>
+      </p:sp>
+      <p:cxnSp>
+        <p:nvCxnSpPr>
+          <p:cNvPr id="43" name="Straight Arrow Connector 42">
+            <a:extLst>
+              <a:ext uri="{FF2B5EF4-FFF2-40B4-BE49-F238E27FC236}">
+                <a16:creationId xmlns:a16="http://schemas.microsoft.com/office/drawing/2014/main" id="{BE18B9B3-CF38-4849-8948-A00AB57B4936}"/>
+              </a:ext>
+            </a:extLst>
+          </p:cNvPr>
+          <p:cNvCxnSpPr>
+            <a:cxnSpLocks/>
+          </p:cNvCxnSpPr>
+          <p:nvPr/>
+        </p:nvCxnSpPr>
+        <p:spPr>
+          <a:xfrm>
+            <a:off x="1047750" y="3911085"/>
+            <a:ext cx="0" cy="968375"/>
+          </a:xfrm>
+          <a:prstGeom prst="straightConnector1">
+            <a:avLst/>
+          </a:prstGeom>
+          <a:ln>
+            <a:solidFill>
+              <a:srgbClr val="FF0000"/>
+            </a:solidFill>
+            <a:tailEnd type="arrow"/>
+          </a:ln>
+        </p:spPr>
+        <p:style>
+          <a:lnRef idx="3">
+            <a:schemeClr val="accent2"/>
+          </a:lnRef>
+          <a:fillRef idx="0">
+            <a:schemeClr val="accent2"/>
+          </a:fillRef>
+          <a:effectRef idx="2">
+            <a:schemeClr val="accent2"/>
+          </a:effectRef>
+          <a:fontRef idx="minor">
+            <a:schemeClr val="tx1"/>
+          </a:fontRef>
+        </p:style>
+      </p:cxnSp>
+      <p:sp>
+        <p:nvSpPr>
+          <p:cNvPr id="44" name="TextBox 43">
+            <a:extLst>
+              <a:ext uri="{FF2B5EF4-FFF2-40B4-BE49-F238E27FC236}">
+                <a16:creationId xmlns:a16="http://schemas.microsoft.com/office/drawing/2014/main" id="{EF1558EB-C6CE-48F3-ACA7-9398079A9035}"/>
+              </a:ext>
+            </a:extLst>
+          </p:cNvPr>
+          <p:cNvSpPr txBox="1"/>
+          <p:nvPr/>
+        </p:nvSpPr>
+        <p:spPr>
+          <a:xfrm>
+            <a:off x="726756" y="3522704"/>
+            <a:ext cx="623889" cy="369332"/>
+          </a:xfrm>
+          <a:prstGeom prst="rect">
+            <a:avLst/>
+          </a:prstGeom>
+          <a:noFill/>
+        </p:spPr>
+        <p:txBody>
+          <a:bodyPr wrap="none" rtlCol="0">
+            <a:spAutoFit/>
+          </a:bodyPr>
+          <a:lstStyle/>
+          <a:p>
+            <a:r>
+              <a:rPr lang="en-US" b="1" dirty="0">
+                <a:solidFill>
+                  <a:srgbClr val="FF0000"/>
+                </a:solidFill>
+              </a:rPr>
+              <a:t>50 N</a:t>
+            </a:r>
+          </a:p>
+        </p:txBody>
+      </p:sp>
+      <p:cxnSp>
+        <p:nvCxnSpPr>
+          <p:cNvPr id="48" name="Straight Arrow Connector 47">
+            <a:extLst>
+              <a:ext uri="{FF2B5EF4-FFF2-40B4-BE49-F238E27FC236}">
+                <a16:creationId xmlns:a16="http://schemas.microsoft.com/office/drawing/2014/main" id="{7CC6AFA5-77BD-4D2C-95A9-285F535DEC6D}"/>
+              </a:ext>
+            </a:extLst>
+          </p:cNvPr>
+          <p:cNvCxnSpPr>
+            <a:cxnSpLocks/>
+          </p:cNvCxnSpPr>
+          <p:nvPr/>
+        </p:nvCxnSpPr>
+        <p:spPr>
+          <a:xfrm flipH="1" flipV="1">
+            <a:off x="5554288" y="4815962"/>
+            <a:ext cx="17837" cy="860938"/>
+          </a:xfrm>
+          <a:prstGeom prst="straightConnector1">
+            <a:avLst/>
+          </a:prstGeom>
+          <a:ln>
+            <a:solidFill>
+              <a:srgbClr val="FF0000"/>
+            </a:solidFill>
+            <a:tailEnd type="arrow"/>
+          </a:ln>
+        </p:spPr>
+        <p:style>
+          <a:lnRef idx="3">
+            <a:schemeClr val="accent2"/>
+          </a:lnRef>
+          <a:fillRef idx="0">
+            <a:schemeClr val="accent2"/>
+          </a:fillRef>
+          <a:effectRef idx="2">
+            <a:schemeClr val="accent2"/>
+          </a:effectRef>
+          <a:fontRef idx="minor">
+            <a:schemeClr val="tx1"/>
+          </a:fontRef>
+        </p:style>
+      </p:cxnSp>
+      <p:sp>
+        <p:nvSpPr>
+          <p:cNvPr id="51" name="Arc 50">
+            <a:extLst>
+              <a:ext uri="{FF2B5EF4-FFF2-40B4-BE49-F238E27FC236}">
+                <a16:creationId xmlns:a16="http://schemas.microsoft.com/office/drawing/2014/main" id="{4A8FB376-16A4-4711-A0A5-063749CA4BC8}"/>
+              </a:ext>
+            </a:extLst>
+          </p:cNvPr>
+          <p:cNvSpPr/>
+          <p:nvPr/>
+        </p:nvSpPr>
+        <p:spPr>
+          <a:xfrm>
+            <a:off x="1751821" y="4129087"/>
+            <a:ext cx="1371600" cy="1371600"/>
+          </a:xfrm>
+          <a:prstGeom prst="arc">
+            <a:avLst>
+              <a:gd name="adj1" fmla="val 695837"/>
+              <a:gd name="adj2" fmla="val 19845284"/>
+            </a:avLst>
+          </a:prstGeom>
+          <a:ln w="38100">
+            <a:headEnd type="arrow" w="med" len="med"/>
+            <a:tailEnd type="none" w="med" len="med"/>
+          </a:ln>
+        </p:spPr>
+        <p:style>
+          <a:lnRef idx="3">
+            <a:schemeClr val="accent4"/>
+          </a:lnRef>
+          <a:fillRef idx="0">
+            <a:schemeClr val="accent4"/>
+          </a:fillRef>
+          <a:effectRef idx="2">
+            <a:schemeClr val="accent4"/>
+          </a:effectRef>
+          <a:fontRef idx="minor">
+            <a:schemeClr val="tx1"/>
+          </a:fontRef>
+        </p:style>
+        <p:txBody>
+          <a:bodyPr rtlCol="0" anchor="ctr"/>
+          <a:lstStyle/>
+          <a:p>
+            <a:pPr algn="ctr"/>
+            <a:endParaRPr lang="en-US"/>
+          </a:p>
+        </p:txBody>
+      </p:sp>
+      <p:cxnSp>
+        <p:nvCxnSpPr>
+          <p:cNvPr id="54" name="Straight Arrow Connector 53">
+            <a:extLst>
+              <a:ext uri="{FF2B5EF4-FFF2-40B4-BE49-F238E27FC236}">
+                <a16:creationId xmlns:a16="http://schemas.microsoft.com/office/drawing/2014/main" id="{DA35B920-F4C3-46B3-BB2F-1A390BBAD7CC}"/>
+              </a:ext>
+            </a:extLst>
+          </p:cNvPr>
+          <p:cNvCxnSpPr>
+            <a:cxnSpLocks/>
+          </p:cNvCxnSpPr>
+          <p:nvPr/>
+        </p:nvCxnSpPr>
+        <p:spPr>
+          <a:xfrm>
+            <a:off x="8313767" y="3793094"/>
+            <a:ext cx="10176" cy="1022868"/>
+          </a:xfrm>
+          <a:prstGeom prst="straightConnector1">
+            <a:avLst/>
+          </a:prstGeom>
+          <a:ln>
+            <a:solidFill>
+              <a:srgbClr val="FF0000"/>
+            </a:solidFill>
+            <a:tailEnd type="arrow"/>
+          </a:ln>
+        </p:spPr>
+        <p:style>
+          <a:lnRef idx="3">
+            <a:schemeClr val="accent2"/>
+          </a:lnRef>
+          <a:fillRef idx="0">
+            <a:schemeClr val="accent2"/>
+          </a:fillRef>
+          <a:effectRef idx="2">
+            <a:schemeClr val="accent2"/>
+          </a:effectRef>
+          <a:fontRef idx="minor">
+            <a:schemeClr val="tx1"/>
+          </a:fontRef>
+        </p:style>
+      </p:cxnSp>
+      <p:sp>
+        <p:nvSpPr>
+          <p:cNvPr id="56" name="TextBox 55">
+            <a:extLst>
+              <a:ext uri="{FF2B5EF4-FFF2-40B4-BE49-F238E27FC236}">
+                <a16:creationId xmlns:a16="http://schemas.microsoft.com/office/drawing/2014/main" id="{8D3F2D41-C5C8-494F-8635-99739E50FECB}"/>
+              </a:ext>
+            </a:extLst>
+          </p:cNvPr>
+          <p:cNvSpPr txBox="1"/>
+          <p:nvPr/>
+        </p:nvSpPr>
+        <p:spPr>
+          <a:xfrm>
+            <a:off x="8011347" y="3423761"/>
+            <a:ext cx="623889" cy="369332"/>
+          </a:xfrm>
+          <a:prstGeom prst="rect">
+            <a:avLst/>
+          </a:prstGeom>
+          <a:noFill/>
+        </p:spPr>
+        <p:txBody>
+          <a:bodyPr wrap="none" rtlCol="0">
+            <a:spAutoFit/>
+          </a:bodyPr>
+          <a:lstStyle/>
+          <a:p>
+            <a:r>
+              <a:rPr lang="en-US" b="1" dirty="0">
+                <a:solidFill>
+                  <a:srgbClr val="FF0000"/>
+                </a:solidFill>
+              </a:rPr>
+              <a:t>80 N</a:t>
+            </a:r>
+          </a:p>
+        </p:txBody>
+      </p:sp>
+      <p:sp>
+        <p:nvSpPr>
+          <p:cNvPr id="57" name="TextBox 56">
+            <a:extLst>
+              <a:ext uri="{FF2B5EF4-FFF2-40B4-BE49-F238E27FC236}">
+                <a16:creationId xmlns:a16="http://schemas.microsoft.com/office/drawing/2014/main" id="{35B26792-E4F6-4258-880B-0A7C10A12DA5}"/>
+              </a:ext>
+            </a:extLst>
+          </p:cNvPr>
+          <p:cNvSpPr txBox="1"/>
+          <p:nvPr/>
+        </p:nvSpPr>
+        <p:spPr>
+          <a:xfrm>
+            <a:off x="5261092" y="5726968"/>
+            <a:ext cx="623889" cy="369332"/>
+          </a:xfrm>
+          <a:prstGeom prst="rect">
+            <a:avLst/>
+          </a:prstGeom>
+          <a:noFill/>
+        </p:spPr>
+        <p:txBody>
+          <a:bodyPr wrap="none" rtlCol="0">
+            <a:spAutoFit/>
+          </a:bodyPr>
+          <a:lstStyle/>
+          <a:p>
+            <a:r>
+              <a:rPr lang="en-US" b="1" dirty="0">
+                <a:solidFill>
+                  <a:srgbClr val="FF0000"/>
+                </a:solidFill>
+              </a:rPr>
+              <a:t>80 N</a:t>
+            </a:r>
+          </a:p>
+        </p:txBody>
+      </p:sp>
+      <p:sp>
+        <p:nvSpPr>
+          <p:cNvPr id="59" name="TextBox 58">
+            <a:extLst>
+              <a:ext uri="{FF2B5EF4-FFF2-40B4-BE49-F238E27FC236}">
+                <a16:creationId xmlns:a16="http://schemas.microsoft.com/office/drawing/2014/main" id="{52AFC31D-A2AE-41D6-A337-093E59252CAB}"/>
+              </a:ext>
+            </a:extLst>
+          </p:cNvPr>
+          <p:cNvSpPr txBox="1"/>
+          <p:nvPr/>
+        </p:nvSpPr>
+        <p:spPr>
+          <a:xfrm>
+            <a:off x="2769959" y="4583668"/>
+            <a:ext cx="811441" cy="369332"/>
+          </a:xfrm>
+          <a:prstGeom prst="rect">
+            <a:avLst/>
+          </a:prstGeom>
+          <a:noFill/>
+        </p:spPr>
+        <p:txBody>
+          <a:bodyPr wrap="none" rtlCol="0">
+            <a:spAutoFit/>
+          </a:bodyPr>
+          <a:lstStyle/>
+          <a:p>
+            <a:r>
+              <a:rPr lang="en-US" b="1" dirty="0">
+                <a:solidFill>
+                  <a:srgbClr val="7030A0"/>
+                </a:solidFill>
+              </a:rPr>
+              <a:t>30 Nm</a:t>
+            </a:r>
+          </a:p>
+        </p:txBody>
+      </p:sp>
+      <p:sp>
+        <p:nvSpPr>
+          <p:cNvPr id="60" name="Arc 59">
+            <a:extLst>
+              <a:ext uri="{FF2B5EF4-FFF2-40B4-BE49-F238E27FC236}">
+                <a16:creationId xmlns:a16="http://schemas.microsoft.com/office/drawing/2014/main" id="{FCB3606B-90D7-42EF-8BCF-C03DF0DB0CDD}"/>
+              </a:ext>
+            </a:extLst>
+          </p:cNvPr>
+          <p:cNvSpPr/>
+          <p:nvPr/>
+        </p:nvSpPr>
+        <p:spPr>
+          <a:xfrm>
+            <a:off x="6276196" y="4114800"/>
+            <a:ext cx="1371600" cy="1371600"/>
+          </a:xfrm>
+          <a:prstGeom prst="arc">
+            <a:avLst>
+              <a:gd name="adj1" fmla="val 695837"/>
+              <a:gd name="adj2" fmla="val 19845284"/>
+            </a:avLst>
+          </a:prstGeom>
+          <a:ln w="38100">
+            <a:headEnd type="arrow" w="med" len="med"/>
+            <a:tailEnd type="none" w="med" len="med"/>
+          </a:ln>
+        </p:spPr>
+        <p:style>
+          <a:lnRef idx="3">
+            <a:schemeClr val="accent4"/>
+          </a:lnRef>
+          <a:fillRef idx="0">
+            <a:schemeClr val="accent4"/>
+          </a:fillRef>
+          <a:effectRef idx="2">
+            <a:schemeClr val="accent4"/>
+          </a:effectRef>
+          <a:fontRef idx="minor">
+            <a:schemeClr val="tx1"/>
+          </a:fontRef>
+        </p:style>
+        <p:txBody>
+          <a:bodyPr rtlCol="0" anchor="ctr"/>
+          <a:lstStyle/>
+          <a:p>
+            <a:pPr algn="ctr"/>
+            <a:endParaRPr lang="en-US"/>
+          </a:p>
+        </p:txBody>
+      </p:sp>
+      <p:sp>
+        <p:nvSpPr>
+          <p:cNvPr id="61" name="TextBox 60">
+            <a:extLst>
+              <a:ext uri="{FF2B5EF4-FFF2-40B4-BE49-F238E27FC236}">
+                <a16:creationId xmlns:a16="http://schemas.microsoft.com/office/drawing/2014/main" id="{B529123F-2DBB-49BA-B6F3-8E79AB426173}"/>
+              </a:ext>
+            </a:extLst>
+          </p:cNvPr>
+          <p:cNvSpPr txBox="1"/>
+          <p:nvPr/>
+        </p:nvSpPr>
+        <p:spPr>
+          <a:xfrm>
+            <a:off x="7294334" y="4569381"/>
+            <a:ext cx="811441" cy="369332"/>
+          </a:xfrm>
+          <a:prstGeom prst="rect">
+            <a:avLst/>
+          </a:prstGeom>
+          <a:noFill/>
+        </p:spPr>
+        <p:txBody>
+          <a:bodyPr wrap="none" rtlCol="0">
+            <a:spAutoFit/>
+          </a:bodyPr>
+          <a:lstStyle/>
+          <a:p>
+            <a:r>
+              <a:rPr lang="en-US" b="1" dirty="0">
+                <a:solidFill>
+                  <a:srgbClr val="7030A0"/>
+                </a:solidFill>
+              </a:rPr>
+              <a:t>16 Nm</a:t>
+            </a:r>
+          </a:p>
+        </p:txBody>
+      </p:sp>
+    </p:spTree>
+    <p:extLst>
+      <p:ext uri="{BB962C8B-B14F-4D97-AF65-F5344CB8AC3E}">
+        <p14:creationId xmlns:p14="http://schemas.microsoft.com/office/powerpoint/2010/main" val="3679935338"/>
       </p:ext>
     </p:extLst>
   </p:cSld>
@@ -6598,9 +9960,12 @@
 </file>
 
 <file path=customXml/item1.xml><?xml version="1.0" encoding="utf-8"?>
-<p:properties xmlns:p="http://schemas.microsoft.com/office/2006/metadata/properties" xmlns:xsi="http://www.w3.org/2001/XMLSchema-instance" xmlns:pc="http://schemas.microsoft.com/office/infopath/2007/PartnerControls">
-  <documentManagement/>
-</p:properties>
+<?mso-contentType ?>
+<FormTemplates xmlns="http://schemas.microsoft.com/sharepoint/v3/contenttype/forms">
+  <Display>DocumentLibraryForm</Display>
+  <Edit>DocumentLibraryForm</Edit>
+  <New>DocumentLibraryForm</New>
+</FormTemplates>
 </file>
 
 <file path=customXml/item2.xml><?xml version="1.0" encoding="utf-8"?>
@@ -6821,19 +10186,15 @@
 </file>
 
 <file path=customXml/item3.xml><?xml version="1.0" encoding="utf-8"?>
-<?mso-contentType ?>
-<FormTemplates xmlns="http://schemas.microsoft.com/sharepoint/v3/contenttype/forms">
-  <Display>DocumentLibraryForm</Display>
-  <Edit>DocumentLibraryForm</Edit>
-  <New>DocumentLibraryForm</New>
-</FormTemplates>
+<p:properties xmlns:p="http://schemas.microsoft.com/office/2006/metadata/properties" xmlns:xsi="http://www.w3.org/2001/XMLSchema-instance" xmlns:pc="http://schemas.microsoft.com/office/infopath/2007/PartnerControls">
+  <documentManagement/>
+</p:properties>
 </file>
 
 <file path=customXml/itemProps1.xml><?xml version="1.0" encoding="utf-8"?>
-<ds:datastoreItem xmlns:ds="http://schemas.openxmlformats.org/officeDocument/2006/customXml" ds:itemID="{52EB1464-66D1-425A-BBB5-7A9312BBE9C4}">
+<ds:datastoreItem xmlns:ds="http://schemas.openxmlformats.org/officeDocument/2006/customXml" ds:itemID="{F5CF5F32-56DC-4068-8B04-457CF34A96F3}">
   <ds:schemaRefs>
-    <ds:schemaRef ds:uri="http://schemas.microsoft.com/office/2006/metadata/properties"/>
-    <ds:schemaRef ds:uri="http://schemas.microsoft.com/office/infopath/2007/PartnerControls"/>
+    <ds:schemaRef ds:uri="http://schemas.microsoft.com/sharepoint/v3/contenttype/forms"/>
   </ds:schemaRefs>
 </ds:datastoreItem>
 </file>
@@ -6858,9 +10219,10 @@
 </file>
 
 <file path=customXml/itemProps3.xml><?xml version="1.0" encoding="utf-8"?>
-<ds:datastoreItem xmlns:ds="http://schemas.openxmlformats.org/officeDocument/2006/customXml" ds:itemID="{F5CF5F32-56DC-4068-8B04-457CF34A96F3}">
+<ds:datastoreItem xmlns:ds="http://schemas.openxmlformats.org/officeDocument/2006/customXml" ds:itemID="{52EB1464-66D1-425A-BBB5-7A9312BBE9C4}">
   <ds:schemaRefs>
-    <ds:schemaRef ds:uri="http://schemas.microsoft.com/sharepoint/v3/contenttype/forms"/>
+    <ds:schemaRef ds:uri="http://schemas.microsoft.com/office/2006/metadata/properties"/>
+    <ds:schemaRef ds:uri="http://schemas.microsoft.com/office/infopath/2007/PartnerControls"/>
   </ds:schemaRefs>
 </ds:datastoreItem>
 </file>